--- a/study/발표자료/(이승건)250218_밑딥2_chap2-5.pptx
+++ b/study/발표자료/(이승건)250218_밑딥2_chap2-5.pptx
@@ -862,26 +862,6 @@
               </a:spcAft>
               <a:buNone/>
             </a:pPr>
-            <a:r>
-              <a:rPr lang="ko-KR" altLang="en-US" b="1" dirty="0"/>
-              <a:t>밑바닥부터 시작하는 딥러닝</a:t>
-            </a:r>
-            <a:r>
-              <a:rPr lang="en-US" altLang="ko-KR" b="1" dirty="0"/>
-              <a:t>2 </a:t>
-            </a:r>
-            <a:r>
-              <a:rPr lang="ko-KR" altLang="en-US" b="1" dirty="0" err="1"/>
-              <a:t>스터디리뷰</a:t>
-            </a:r>
-            <a:r>
-              <a:rPr lang="ko-KR" altLang="en-US" b="1" dirty="0"/>
-              <a:t> 발표 시작하겠습니다</a:t>
-            </a:r>
-            <a:r>
-              <a:rPr lang="en-US" altLang="ko-KR" b="1" dirty="0"/>
-              <a:t>.</a:t>
-            </a:r>
             <a:endParaRPr b="1" dirty="0"/>
           </a:p>
         </p:txBody>
@@ -976,130 +956,6 @@
             <a:noAutofit/>
           </a:bodyPr>
           <a:lstStyle/>
-          <a:p>
-            <a:pPr marL="158750" indent="0">
-              <a:buNone/>
-            </a:pPr>
-            <a:r>
-              <a:rPr lang="ko-KR" altLang="en-US" b="1" dirty="0"/>
-              <a:t>앞서 </a:t>
-            </a:r>
-            <a:r>
-              <a:rPr lang="ko-KR" altLang="en-US" b="1" dirty="0" err="1"/>
-              <a:t>설명드렸던</a:t>
-            </a:r>
-            <a:r>
-              <a:rPr lang="ko-KR" altLang="en-US" b="1" dirty="0"/>
-              <a:t> 통계기반 기법의 문제점은</a:t>
-            </a:r>
-            <a:r>
-              <a:rPr lang="en-US" altLang="ko-KR" b="1" dirty="0"/>
-              <a:t>, </a:t>
-            </a:r>
-            <a:r>
-              <a:rPr lang="ko-KR" altLang="en-US" b="1" dirty="0"/>
-              <a:t>말뭉치 전체의 통계를 배치 학습으로 분산표현을 얻었습니다</a:t>
-            </a:r>
-            <a:r>
-              <a:rPr lang="en-US" altLang="ko-KR" b="1" dirty="0"/>
-              <a:t>. </a:t>
-            </a:r>
-          </a:p>
-          <a:p>
-            <a:pPr marL="158750" indent="0">
-              <a:buNone/>
-            </a:pPr>
-            <a:r>
-              <a:rPr lang="ko-KR" altLang="en-US" b="1" dirty="0"/>
-              <a:t>이러한 방법은 </a:t>
-            </a:r>
-            <a:r>
-              <a:rPr lang="en-US" altLang="ko-KR" b="1" dirty="0"/>
-              <a:t>SVD</a:t>
-            </a:r>
-            <a:r>
-              <a:rPr lang="ko-KR" altLang="en-US" b="1" dirty="0"/>
-              <a:t>의 </a:t>
-            </a:r>
-            <a:r>
-              <a:rPr lang="ko-KR" altLang="en-US" b="1" dirty="0" err="1"/>
-              <a:t>시간복잡도</a:t>
-            </a:r>
-            <a:r>
-              <a:rPr lang="ko-KR" altLang="en-US" b="1" dirty="0"/>
-              <a:t> 특성상 대규모 말뭉치를 다룰 경우 문제가 발생합니다</a:t>
-            </a:r>
-            <a:r>
-              <a:rPr lang="en-US" altLang="ko-KR" b="1" dirty="0"/>
-              <a:t>.</a:t>
-            </a:r>
-          </a:p>
-          <a:p>
-            <a:pPr marL="158750" indent="0">
-              <a:buNone/>
-            </a:pPr>
-            <a:r>
-              <a:rPr lang="ko-KR" altLang="en-US" b="1" dirty="0"/>
-              <a:t>또한</a:t>
-            </a:r>
-            <a:r>
-              <a:rPr lang="en-US" altLang="ko-KR" b="1" dirty="0"/>
-              <a:t>, </a:t>
-            </a:r>
-            <a:r>
-              <a:rPr lang="ko-KR" altLang="en-US" b="1" dirty="0"/>
-              <a:t>학습 데이터의 추가</a:t>
-            </a:r>
-            <a:r>
-              <a:rPr lang="en-US" altLang="ko-KR" b="1" dirty="0"/>
-              <a:t>, </a:t>
-            </a:r>
-            <a:r>
-              <a:rPr lang="ko-KR" altLang="en-US" b="1" dirty="0"/>
-              <a:t>삭제</a:t>
-            </a:r>
-            <a:r>
-              <a:rPr lang="en-US" altLang="ko-KR" b="1" dirty="0"/>
-              <a:t>, </a:t>
-            </a:r>
-            <a:r>
-              <a:rPr lang="ko-KR" altLang="en-US" b="1" dirty="0"/>
-              <a:t>변경이 있을 경우 처음부터 다시 일련의 학습과정을 거쳐야 하기 때문에 비효율적입니다</a:t>
-            </a:r>
-            <a:r>
-              <a:rPr lang="en-US" altLang="ko-KR" b="1" dirty="0"/>
-              <a:t>.</a:t>
-            </a:r>
-          </a:p>
-          <a:p>
-            <a:pPr marL="158750" indent="0">
-              <a:buNone/>
-            </a:pPr>
-            <a:r>
-              <a:rPr lang="ko-KR" altLang="en-US" b="1" dirty="0"/>
-              <a:t>반면 추론기반기법은 미니배치 학습을 통해 단어의 분산표현을 얻기 때문에 말뭉치가 변경점이 생기더라도 기존 학습된 가중치를 </a:t>
-            </a:r>
-            <a:r>
-              <a:rPr lang="ko-KR" altLang="en-US" b="1" dirty="0" err="1"/>
-              <a:t>초깃값으로</a:t>
-            </a:r>
-            <a:r>
-              <a:rPr lang="ko-KR" altLang="en-US" b="1" dirty="0"/>
-              <a:t> 학습을 </a:t>
-            </a:r>
-            <a:r>
-              <a:rPr lang="ko-KR" altLang="en-US" b="1" dirty="0" err="1"/>
-              <a:t>이어나가면</a:t>
-            </a:r>
-            <a:r>
-              <a:rPr lang="ko-KR" altLang="en-US" b="1" dirty="0"/>
-              <a:t> 됩니다</a:t>
-            </a:r>
-            <a:r>
-              <a:rPr lang="en-US" altLang="ko-KR" b="1" dirty="0"/>
-              <a:t>.</a:t>
-            </a:r>
-          </a:p>
           <a:p>
             <a:pPr marL="0" lvl="0" indent="0" algn="l" rtl="0">
               <a:spcBef>
@@ -1213,75 +1069,7 @@
             <a:pPr marL="158750" indent="0">
               <a:buNone/>
             </a:pPr>
-            <a:r>
-              <a:rPr lang="ko-KR" altLang="en-US" b="1" dirty="0"/>
-              <a:t>추론기반기법 역시 분포가설에 기초하여 문맥이 </a:t>
-            </a:r>
-            <a:r>
-              <a:rPr lang="ko-KR" altLang="en-US" b="1" dirty="0" err="1"/>
-              <a:t>주어졌을때</a:t>
-            </a:r>
-            <a:r>
-              <a:rPr lang="ko-KR" altLang="en-US" b="1" dirty="0"/>
-              <a:t> 타겟을 추론하는 기법입니다</a:t>
-            </a:r>
-            <a:r>
-              <a:rPr lang="en-US" altLang="ko-KR" b="1" dirty="0"/>
-              <a:t>. </a:t>
-            </a:r>
-            <a:r>
-              <a:rPr lang="ko-KR" altLang="en-US" b="1" dirty="0"/>
-              <a:t>타겟에 등장할 단어를 확률로 출력을 얻습니다</a:t>
-            </a:r>
-            <a:r>
-              <a:rPr lang="en-US" altLang="ko-KR" b="1" dirty="0"/>
-              <a:t>.</a:t>
-            </a:r>
-          </a:p>
-          <a:p>
-            <a:pPr marL="158750" indent="0">
-              <a:buNone/>
-            </a:pPr>
-            <a:r>
-              <a:rPr lang="ko-KR" altLang="en-US" b="1" dirty="0"/>
-              <a:t>추론기반기법을 신경망에서 단어 처리 관점에서 본다면</a:t>
-            </a:r>
-            <a:r>
-              <a:rPr lang="en-US" altLang="ko-KR" b="1" dirty="0"/>
-              <a:t> </a:t>
-            </a:r>
-            <a:r>
-              <a:rPr lang="ko-KR" altLang="en-US" b="1" dirty="0"/>
-              <a:t>말뭉치를 인덱스와 </a:t>
-            </a:r>
-            <a:r>
-              <a:rPr lang="ko-KR" altLang="en-US" b="1" dirty="0" err="1"/>
-              <a:t>원핫</a:t>
-            </a:r>
-            <a:r>
-              <a:rPr lang="ko-KR" altLang="en-US" b="1" dirty="0"/>
-              <a:t> 벡터로 변환 후</a:t>
-            </a:r>
-            <a:r>
-              <a:rPr lang="en-US" altLang="ko-KR" b="1" dirty="0"/>
-              <a:t>, </a:t>
-            </a:r>
-            <a:r>
-              <a:rPr lang="ko-KR" altLang="en-US" b="1" dirty="0"/>
-              <a:t>가중치와의 곱을 통해 은닉 벡터</a:t>
-            </a:r>
-            <a:r>
-              <a:rPr lang="en-US" altLang="ko-KR" b="1" dirty="0"/>
-              <a:t>, </a:t>
-            </a:r>
-            <a:r>
-              <a:rPr lang="ko-KR" altLang="en-US" b="1" dirty="0"/>
-              <a:t>즉 분산표현을 얻습니다</a:t>
-            </a:r>
-            <a:r>
-              <a:rPr lang="en-US" altLang="ko-KR" b="1" dirty="0"/>
-              <a:t>.</a:t>
-            </a:r>
+            <a:endParaRPr lang="en-US" altLang="ko-KR" b="1" dirty="0"/>
           </a:p>
         </p:txBody>
       </p:sp>
@@ -1381,129 +1169,6 @@
           </a:bodyPr>
           <a:lstStyle/>
           <a:p>
-            <a:pPr marL="158750" indent="0">
-              <a:buNone/>
-            </a:pPr>
-            <a:r>
-              <a:rPr lang="ko-KR" altLang="en-US" b="1" dirty="0"/>
-              <a:t>추론기반 기법의 대표적인 기법인 </a:t>
-            </a:r>
-            <a:r>
-              <a:rPr lang="en-US" altLang="ko-KR" b="1" dirty="0"/>
-              <a:t>word2vec</a:t>
-            </a:r>
-            <a:r>
-              <a:rPr lang="ko-KR" altLang="en-US" b="1" dirty="0"/>
-              <a:t>의 </a:t>
-            </a:r>
-            <a:r>
-              <a:rPr lang="en-US" altLang="ko-KR" b="1" dirty="0" err="1"/>
-              <a:t>CBoW</a:t>
-            </a:r>
-            <a:r>
-              <a:rPr lang="en-US" altLang="ko-KR" b="1" dirty="0"/>
-              <a:t> </a:t>
-            </a:r>
-            <a:r>
-              <a:rPr lang="ko-KR" altLang="en-US" b="1" dirty="0"/>
-              <a:t>모델입니다</a:t>
-            </a:r>
-            <a:r>
-              <a:rPr lang="en-US" altLang="ko-KR" b="1" dirty="0"/>
-              <a:t>.</a:t>
-            </a:r>
-          </a:p>
-          <a:p>
-            <a:pPr marL="158750" indent="0">
-              <a:buNone/>
-            </a:pPr>
-            <a:r>
-              <a:rPr lang="ko-KR" altLang="en-US" b="1" dirty="0"/>
-              <a:t>오른쪽 그림은 문맥이 </a:t>
-            </a:r>
-            <a:r>
-              <a:rPr lang="en-US" altLang="ko-KR" b="1" dirty="0"/>
-              <a:t>2</a:t>
-            </a:r>
-            <a:r>
-              <a:rPr lang="ko-KR" altLang="en-US" b="1" dirty="0"/>
-              <a:t>개여서 </a:t>
-            </a:r>
-            <a:r>
-              <a:rPr lang="en-US" altLang="ko-KR" b="1" dirty="0"/>
-              <a:t>0.5 </a:t>
-            </a:r>
-            <a:r>
-              <a:rPr lang="ko-KR" altLang="en-US" b="1" dirty="0"/>
-              <a:t>곱이 들어갔는데</a:t>
-            </a:r>
-            <a:r>
-              <a:rPr lang="en-US" altLang="ko-KR" b="1" dirty="0"/>
-              <a:t>, </a:t>
-            </a:r>
-            <a:r>
-              <a:rPr lang="ko-KR" altLang="en-US" b="1" dirty="0"/>
-              <a:t>이처럼 문맥들의 가중치 곱 평균이 은닉층의 </a:t>
-            </a:r>
-            <a:r>
-              <a:rPr lang="ko-KR" altLang="en-US" b="1" dirty="0" err="1"/>
-              <a:t>입력값</a:t>
-            </a:r>
-            <a:r>
-              <a:rPr lang="ko-KR" altLang="en-US" b="1" dirty="0"/>
-              <a:t> </a:t>
-            </a:r>
-            <a:r>
-              <a:rPr lang="en-US" altLang="ko-KR" b="1" dirty="0"/>
-              <a:t>h</a:t>
-            </a:r>
-            <a:r>
-              <a:rPr lang="ko-KR" altLang="en-US" b="1" dirty="0"/>
-              <a:t>가 됩니다</a:t>
-            </a:r>
-            <a:r>
-              <a:rPr lang="en-US" altLang="ko-KR" b="1" dirty="0"/>
-              <a:t>. </a:t>
-            </a:r>
-          </a:p>
-          <a:p>
-            <a:pPr marL="158750" indent="0">
-              <a:buNone/>
-            </a:pPr>
-            <a:r>
-              <a:rPr lang="ko-KR" altLang="en-US" b="1" dirty="0"/>
-              <a:t>이후 </a:t>
-            </a:r>
-            <a:r>
-              <a:rPr lang="ko-KR" altLang="en-US" b="1" dirty="0" err="1"/>
-              <a:t>은닉층</a:t>
-            </a:r>
-            <a:r>
-              <a:rPr lang="ko-KR" altLang="en-US" b="1" dirty="0"/>
-              <a:t> 출력과 가중치 </a:t>
-            </a:r>
-            <a:r>
-              <a:rPr lang="en-US" altLang="ko-KR" b="1" dirty="0" err="1"/>
-              <a:t>Wout</a:t>
-            </a:r>
-            <a:r>
-              <a:rPr lang="ko-KR" altLang="en-US" b="1" dirty="0"/>
-              <a:t>의 곱을 통해 </a:t>
-            </a:r>
-            <a:r>
-              <a:rPr lang="en-US" altLang="ko-KR" b="1" dirty="0"/>
-              <a:t>Score</a:t>
-            </a:r>
-            <a:r>
-              <a:rPr lang="ko-KR" altLang="en-US" b="1" dirty="0"/>
-              <a:t>를 얻을 수 있습니다</a:t>
-            </a:r>
-            <a:r>
-              <a:rPr lang="en-US" altLang="ko-KR" b="1" dirty="0"/>
-              <a:t>.</a:t>
-            </a:r>
-          </a:p>
-          <a:p>
             <a:pPr marL="0" lvl="0" indent="0" algn="l" rtl="0">
               <a:spcBef>
                 <a:spcPts val="0"/>
@@ -1513,7 +1178,7 @@
               </a:spcAft>
               <a:buNone/>
             </a:pPr>
-            <a:endParaRPr lang="en-US" b="1" dirty="0"/>
+            <a:endParaRPr lang="ko-KR" altLang="en-US" dirty="0"/>
           </a:p>
           <a:p>
             <a:pPr marL="0" lvl="0" indent="0" algn="l" rtl="0">
@@ -1525,39 +1190,14 @@
               </a:spcAft>
               <a:buNone/>
             </a:pPr>
-            <a:endParaRPr lang="en-US" dirty="0"/>
-          </a:p>
-          <a:p>
-            <a:pPr marL="0" lvl="0" indent="0" algn="l" rtl="0">
-              <a:spcBef>
-                <a:spcPts val="0"/>
-              </a:spcBef>
-              <a:spcAft>
-                <a:spcPts val="0"/>
-              </a:spcAft>
-              <a:buNone/>
-            </a:pPr>
-            <a:endParaRPr lang="en-US" dirty="0"/>
-          </a:p>
-          <a:p>
-            <a:pPr marL="0" lvl="0" indent="0" algn="l" rtl="0">
-              <a:spcBef>
-                <a:spcPts val="0"/>
-              </a:spcBef>
-              <a:spcAft>
-                <a:spcPts val="0"/>
-              </a:spcAft>
-              <a:buNone/>
-            </a:pPr>
-            <a:r>
-              <a:rPr lang="en-US" dirty="0" err="1"/>
+            <a:r>
+              <a:rPr lang="en-US" altLang="ko-KR" dirty="0" err="1"/>
               <a:t>CBoW</a:t>
             </a:r>
             <a:r>
               <a:rPr lang="ko-KR" altLang="en-US" dirty="0"/>
               <a:t>에서 은닉층을 하나만 두는 이유 </a:t>
             </a:r>
-            <a:endParaRPr lang="en-US" altLang="ko-KR" dirty="0"/>
           </a:p>
           <a:p>
             <a:pPr marL="228600" lvl="0" indent="-228600" algn="l" rtl="0">
@@ -1616,7 +1256,6 @@
               <a:rPr lang="ko-KR" altLang="en-US" dirty="0"/>
               <a:t>단어를 고차원 벡터로 바꾸는 것이 목표이기 때문에 비선형성이 필요하지 않음 </a:t>
             </a:r>
-            <a:endParaRPr lang="en-US" altLang="ko-KR" dirty="0"/>
           </a:p>
           <a:p>
             <a:pPr marL="228600" lvl="0" indent="-228600" algn="l" rtl="0">
@@ -1629,7 +1268,7 @@
               <a:buAutoNum type="arabicPeriod"/>
             </a:pPr>
             <a:r>
-              <a:rPr lang="en-US" dirty="0" err="1"/>
+              <a:rPr lang="en-US" altLang="ko-KR" dirty="0" err="1"/>
               <a:t>CBoW</a:t>
             </a:r>
             <a:r>
@@ -1668,7 +1307,6 @@
               <a:rPr lang="ko-KR" altLang="en-US" dirty="0"/>
               <a:t>를 사용하면 오히려 의미적 해석이 어려워질 수 있음</a:t>
             </a:r>
-            <a:endParaRPr dirty="0"/>
           </a:p>
         </p:txBody>
       </p:sp>
@@ -1777,27 +1415,7 @@
               </a:spcAft>
               <a:buNone/>
             </a:pPr>
-            <a:r>
-              <a:rPr lang="en-US" altLang="ko-KR" b="1" dirty="0"/>
-              <a:t>score</a:t>
-            </a:r>
-            <a:r>
-              <a:rPr lang="ko-KR" altLang="en-US" b="1" dirty="0"/>
-              <a:t>를 </a:t>
-            </a:r>
-            <a:r>
-              <a:rPr lang="en-US" altLang="ko-KR" b="1" dirty="0" err="1"/>
-              <a:t>softmax</a:t>
-            </a:r>
-            <a:r>
-              <a:rPr lang="ko-KR" altLang="en-US" b="1" dirty="0"/>
-              <a:t>함수를 통해 확률을 얻어 교차 엔트로피 오차를 통해 최종 손실을 구합니다</a:t>
-            </a:r>
-            <a:r>
-              <a:rPr lang="en-US" altLang="ko-KR" b="1" dirty="0"/>
-              <a:t>. </a:t>
-            </a:r>
-            <a:endParaRPr b="1" dirty="0"/>
+            <a:endParaRPr lang="ko-KR" altLang="en-US" b="1" dirty="0"/>
           </a:p>
         </p:txBody>
       </p:sp>
@@ -1897,101 +1515,6 @@
           </a:bodyPr>
           <a:lstStyle/>
           <a:p>
-            <a:pPr marL="158750" indent="0">
-              <a:buNone/>
-            </a:pPr>
-            <a:r>
-              <a:rPr lang="en-US" altLang="ko-KR" b="1" dirty="0"/>
-              <a:t>Word2vec</a:t>
-            </a:r>
-            <a:r>
-              <a:rPr lang="ko-KR" altLang="en-US" b="1" dirty="0"/>
-              <a:t>의 또 다른 모델인 </a:t>
-            </a:r>
-            <a:r>
-              <a:rPr lang="en-US" altLang="ko-KR" b="1" dirty="0"/>
-              <a:t>skip-gram</a:t>
-            </a:r>
-            <a:r>
-              <a:rPr lang="ko-KR" altLang="en-US" b="1" dirty="0"/>
-              <a:t>입니다</a:t>
-            </a:r>
-            <a:r>
-              <a:rPr lang="en-US" altLang="ko-KR" b="1" dirty="0"/>
-              <a:t>.</a:t>
-            </a:r>
-          </a:p>
-          <a:p>
-            <a:pPr marL="158750" indent="0">
-              <a:buNone/>
-            </a:pPr>
-            <a:r>
-              <a:rPr lang="ko-KR" altLang="en-US" b="1" dirty="0"/>
-              <a:t>앞서 </a:t>
-            </a:r>
-            <a:r>
-              <a:rPr lang="ko-KR" altLang="en-US" b="1" dirty="0" err="1"/>
-              <a:t>설명드렸던</a:t>
-            </a:r>
-            <a:r>
-              <a:rPr lang="ko-KR" altLang="en-US" b="1" dirty="0"/>
-              <a:t> </a:t>
-            </a:r>
-            <a:r>
-              <a:rPr lang="en-US" altLang="ko-KR" b="1" dirty="0" err="1"/>
-              <a:t>CBoW</a:t>
-            </a:r>
-            <a:r>
-              <a:rPr lang="ko-KR" altLang="en-US" b="1" dirty="0"/>
-              <a:t>는 문맥으로부터 타겟 단어를 추론하는 </a:t>
-            </a:r>
-            <a:r>
-              <a:rPr lang="ko-KR" altLang="en-US" b="1" dirty="0" err="1"/>
-              <a:t>과정이였고</a:t>
-            </a:r>
-            <a:r>
-              <a:rPr lang="en-US" altLang="ko-KR" b="1" dirty="0"/>
-              <a:t>, skip-gram</a:t>
-            </a:r>
-            <a:r>
-              <a:rPr lang="ko-KR" altLang="en-US" b="1" dirty="0"/>
-              <a:t>은 반대로 </a:t>
-            </a:r>
-            <a:r>
-              <a:rPr lang="ko-KR" altLang="en-US" b="1" dirty="0" err="1"/>
-              <a:t>타겟으로부터</a:t>
-            </a:r>
-            <a:r>
-              <a:rPr lang="ko-KR" altLang="en-US" b="1" dirty="0"/>
-              <a:t> 주위 문맥을 추론합니다</a:t>
-            </a:r>
-            <a:r>
-              <a:rPr lang="en-US" altLang="ko-KR" b="1" dirty="0"/>
-              <a:t>. </a:t>
-            </a:r>
-          </a:p>
-          <a:p>
-            <a:pPr marL="158750" indent="0">
-              <a:buNone/>
-            </a:pPr>
-            <a:r>
-              <a:rPr lang="ko-KR" altLang="en-US" b="1" dirty="0"/>
-              <a:t>손실 </a:t>
-            </a:r>
-            <a:r>
-              <a:rPr lang="ko-KR" altLang="en-US" b="1" dirty="0" err="1"/>
-              <a:t>함수값은</a:t>
-            </a:r>
-            <a:r>
-              <a:rPr lang="ko-KR" altLang="en-US" b="1" dirty="0"/>
-              <a:t> 문맥 손실합의 평균이 됩니다</a:t>
-            </a:r>
-            <a:r>
-              <a:rPr lang="en-US" altLang="ko-KR" b="1" dirty="0"/>
-              <a:t>.</a:t>
-            </a:r>
-          </a:p>
-          <a:p>
             <a:pPr marL="0" lvl="0" indent="0" algn="l" rtl="0">
               <a:spcBef>
                 <a:spcPts val="0"/>
@@ -2001,7 +1524,7 @@
               </a:spcAft>
               <a:buNone/>
             </a:pPr>
-            <a:endParaRPr b="1" dirty="0"/>
+            <a:endParaRPr lang="ko-KR" altLang="en-US" b="1" dirty="0"/>
           </a:p>
         </p:txBody>
       </p:sp>
@@ -2104,287 +1627,6 @@
             <a:pPr marL="158750" indent="0">
               <a:buNone/>
             </a:pPr>
-            <a:r>
-              <a:rPr lang="ko-KR" altLang="en-US" b="1" dirty="0"/>
-              <a:t>통계 기반 기법과 추론 기반 기법을 비교해 보았을 때</a:t>
-            </a:r>
-            <a:r>
-              <a:rPr lang="en-US" altLang="ko-KR" b="1" dirty="0"/>
-              <a:t>, </a:t>
-            </a:r>
-            <a:r>
-              <a:rPr lang="ko-KR" altLang="en-US" b="1" dirty="0"/>
-              <a:t>효율적인 면에서는 추론 기반 기법이 </a:t>
-            </a:r>
-            <a:r>
-              <a:rPr lang="ko-KR" altLang="en-US" b="1" dirty="0" err="1"/>
-              <a:t>효율적이였습니다</a:t>
-            </a:r>
-            <a:r>
-              <a:rPr lang="en-US" altLang="ko-KR" b="1" dirty="0"/>
-              <a:t>. </a:t>
-            </a:r>
-          </a:p>
-          <a:p>
-            <a:pPr marL="158750" indent="0">
-              <a:buNone/>
-            </a:pPr>
-            <a:r>
-              <a:rPr lang="ko-KR" altLang="en-US" b="1" dirty="0"/>
-              <a:t>하지만 유사성을 정량 평가 결과 우열을 가릴 순 없었다고 합니다</a:t>
-            </a:r>
-            <a:r>
-              <a:rPr lang="en-US" altLang="ko-KR" b="1" dirty="0"/>
-              <a:t>.</a:t>
-            </a:r>
-          </a:p>
-          <a:p>
-            <a:pPr marL="158750" indent="0">
-              <a:buNone/>
-            </a:pPr>
-            <a:r>
-              <a:rPr lang="en-US" altLang="ko-KR" b="1" dirty="0"/>
-              <a:t>word2vec</a:t>
-            </a:r>
-            <a:r>
-              <a:rPr lang="ko-KR" altLang="en-US" b="1" dirty="0"/>
-              <a:t>의 경우 다음 예와 같은 유추 문제를 풀 수 있습니다</a:t>
-            </a:r>
-            <a:r>
-              <a:rPr lang="en-US" altLang="ko-KR" b="1" dirty="0"/>
-              <a:t>.</a:t>
-            </a:r>
-          </a:p>
-          <a:p>
-            <a:pPr marL="158750" indent="0">
-              <a:buNone/>
-            </a:pPr>
-            <a:r>
-              <a:rPr lang="ko-KR" altLang="en-US" b="1" dirty="0"/>
-              <a:t>통계기반 기법과 추론기반 기법을 융합한 단어 </a:t>
-            </a:r>
-            <a:r>
-              <a:rPr lang="ko-KR" altLang="en-US" b="1" dirty="0" err="1"/>
-              <a:t>임베딩</a:t>
-            </a:r>
-            <a:r>
-              <a:rPr lang="ko-KR" altLang="en-US" b="1" dirty="0"/>
-              <a:t> 모델인 </a:t>
-            </a:r>
-            <a:r>
-              <a:rPr lang="en-US" altLang="ko-KR" b="1" dirty="0" err="1"/>
-              <a:t>GloVe</a:t>
-            </a:r>
-            <a:r>
-              <a:rPr lang="ko-KR" altLang="en-US" b="1" dirty="0"/>
-              <a:t>가 있습니다</a:t>
-            </a:r>
-            <a:r>
-              <a:rPr lang="en-US" altLang="ko-KR" b="1" dirty="0"/>
-              <a:t>.</a:t>
-            </a:r>
-          </a:p>
-          <a:p>
-            <a:pPr marL="158750" indent="0">
-              <a:buNone/>
-            </a:pPr>
-            <a:r>
-              <a:rPr lang="ko-KR" altLang="en-US" b="1" dirty="0"/>
-              <a:t>행렬 분해 기반 방식을 사용해 단어 벡터를 직접 최적화하고</a:t>
-            </a:r>
-            <a:r>
-              <a:rPr lang="en-US" altLang="ko-KR" b="1" dirty="0"/>
-              <a:t>, </a:t>
-            </a:r>
-            <a:r>
-              <a:rPr lang="ko-KR" altLang="en-US" b="1" dirty="0"/>
-              <a:t>확률을 이용합니다</a:t>
-            </a:r>
-            <a:r>
-              <a:rPr lang="en-US" altLang="ko-KR" b="1" dirty="0"/>
-              <a:t>.</a:t>
-            </a:r>
-          </a:p>
-          <a:p>
-            <a:pPr marL="0" lvl="0" indent="0" algn="l" rtl="0">
-              <a:spcBef>
-                <a:spcPts val="0"/>
-              </a:spcBef>
-              <a:spcAft>
-                <a:spcPts val="0"/>
-              </a:spcAft>
-              <a:buNone/>
-            </a:pPr>
-            <a:endParaRPr lang="en-US" altLang="ko-KR" dirty="0"/>
-          </a:p>
-          <a:p>
-            <a:pPr marL="0" lvl="0" indent="0" algn="l" rtl="0">
-              <a:spcBef>
-                <a:spcPts val="0"/>
-              </a:spcBef>
-              <a:spcAft>
-                <a:spcPts val="0"/>
-              </a:spcAft>
-              <a:buNone/>
-            </a:pPr>
-            <a:endParaRPr lang="en-US" altLang="ko-KR" dirty="0"/>
-          </a:p>
-          <a:p>
-            <a:pPr marL="0" lvl="0" indent="0" algn="l" rtl="0">
-              <a:spcBef>
-                <a:spcPts val="0"/>
-              </a:spcBef>
-              <a:spcAft>
-                <a:spcPts val="0"/>
-              </a:spcAft>
-              <a:buNone/>
-            </a:pPr>
-            <a:endParaRPr lang="en-US" altLang="ko-KR" dirty="0"/>
-          </a:p>
-          <a:p>
-            <a:pPr marL="0" lvl="0" indent="0" algn="l" rtl="0">
-              <a:spcBef>
-                <a:spcPts val="0"/>
-              </a:spcBef>
-              <a:spcAft>
-                <a:spcPts val="0"/>
-              </a:spcAft>
-              <a:buNone/>
-            </a:pPr>
-            <a:r>
-              <a:rPr lang="ko-KR" altLang="en-US" dirty="0" err="1"/>
-              <a:t>동시등장행렬</a:t>
-            </a:r>
-            <a:r>
-              <a:rPr lang="ko-KR" altLang="en-US" dirty="0"/>
-              <a:t> </a:t>
-            </a:r>
-            <a:r>
-              <a:rPr lang="en-US" altLang="ko-KR" dirty="0"/>
-              <a:t>– </a:t>
-            </a:r>
-            <a:r>
-              <a:rPr lang="ko-KR" altLang="en-US" dirty="0"/>
-              <a:t>한 타겟을 </a:t>
-            </a:r>
-            <a:r>
-              <a:rPr lang="en-US" altLang="ko-KR" dirty="0"/>
-              <a:t>corpus</a:t>
-            </a:r>
-            <a:r>
-              <a:rPr lang="ko-KR" altLang="en-US" dirty="0"/>
-              <a:t> 전체에서 단어가</a:t>
-            </a:r>
-            <a:r>
-              <a:rPr lang="ko-KR" altLang="en-US" b="1" dirty="0"/>
-              <a:t> 일정 윈도우 </a:t>
-            </a:r>
-            <a:r>
-              <a:rPr lang="ko-KR" altLang="en-US" dirty="0"/>
-              <a:t>내에서 등장하는지를</a:t>
-            </a:r>
-            <a:r>
-              <a:rPr lang="en-US" altLang="ko-KR" dirty="0"/>
-              <a:t>.</a:t>
-            </a:r>
-          </a:p>
-          <a:p>
-            <a:pPr marL="0" lvl="0" indent="0" algn="l" rtl="0">
-              <a:spcBef>
-                <a:spcPts val="0"/>
-              </a:spcBef>
-              <a:spcAft>
-                <a:spcPts val="0"/>
-              </a:spcAft>
-              <a:buNone/>
-            </a:pPr>
-            <a:endParaRPr lang="en-US" altLang="ko-KR" dirty="0"/>
-          </a:p>
-          <a:p>
-            <a:pPr marL="0" lvl="0" indent="0" algn="l" rtl="0">
-              <a:spcBef>
-                <a:spcPts val="0"/>
-              </a:spcBef>
-              <a:spcAft>
-                <a:spcPts val="0"/>
-              </a:spcAft>
-              <a:buNone/>
-            </a:pPr>
-            <a:r>
-              <a:rPr lang="ko-KR" altLang="en-US" dirty="0"/>
-              <a:t>단어 등장 횟수가 일반적으로 크고 편향적이기 때문에 </a:t>
-            </a:r>
-            <a:r>
-              <a:rPr lang="en-US" altLang="ko-KR" dirty="0"/>
-              <a:t>log</a:t>
-            </a:r>
-            <a:r>
-              <a:rPr lang="ko-KR" altLang="en-US" dirty="0"/>
-              <a:t>를 취해  데이터분포를 안정적으로 </a:t>
-            </a:r>
-            <a:r>
-              <a:rPr lang="ko-KR" altLang="en-US" dirty="0" err="1"/>
-              <a:t>만듬</a:t>
-            </a:r>
-            <a:r>
-              <a:rPr lang="en-US" altLang="ko-KR" dirty="0"/>
-              <a:t>. </a:t>
-            </a:r>
-            <a:r>
-              <a:rPr lang="ko-KR" altLang="en-US" dirty="0"/>
-              <a:t>단어벡터들의 내적이 </a:t>
-            </a:r>
-            <a:r>
-              <a:rPr lang="en-US" altLang="ko-KR" dirty="0" err="1"/>
-              <a:t>logX</a:t>
-            </a:r>
-            <a:r>
-              <a:rPr lang="ko-KR" altLang="en-US" dirty="0"/>
-              <a:t>를 근사하도록 학습한다</a:t>
-            </a:r>
-            <a:r>
-              <a:rPr lang="en-US" altLang="ko-KR" dirty="0"/>
-              <a:t>. </a:t>
-            </a:r>
-          </a:p>
-          <a:p>
-            <a:pPr marL="0" lvl="0" indent="0" algn="l" rtl="0">
-              <a:spcBef>
-                <a:spcPts val="0"/>
-              </a:spcBef>
-              <a:spcAft>
-                <a:spcPts val="0"/>
-              </a:spcAft>
-              <a:buNone/>
-            </a:pPr>
-            <a:endParaRPr lang="en-US" b="1" dirty="0"/>
-          </a:p>
-          <a:p>
-            <a:pPr marL="0" lvl="0" indent="0" algn="l" rtl="0">
-              <a:spcBef>
-                <a:spcPts val="0"/>
-              </a:spcBef>
-              <a:spcAft>
-                <a:spcPts val="0"/>
-              </a:spcAft>
-              <a:buNone/>
-            </a:pPr>
-            <a:r>
-              <a:rPr lang="ko-KR" altLang="en-US" b="0" dirty="0"/>
-              <a:t>행렬 분해 기반 방식을 사용해 단어 벡터를 직접 최적화</a:t>
-            </a:r>
-            <a:r>
-              <a:rPr lang="en-US" altLang="ko-KR" b="0" dirty="0"/>
-              <a:t>, </a:t>
-            </a:r>
-            <a:r>
-              <a:rPr lang="ko-KR" altLang="en-US" b="0" dirty="0"/>
-              <a:t>확률을 이용한다</a:t>
-            </a:r>
-            <a:r>
-              <a:rPr lang="en-US" altLang="ko-KR" b="0" dirty="0"/>
-              <a:t>. </a:t>
-            </a:r>
             <a:endParaRPr b="0" dirty="0"/>
           </a:p>
         </p:txBody>
@@ -2494,22 +1736,6 @@
               </a:spcAft>
               <a:buNone/>
             </a:pPr>
-            <a:r>
-              <a:rPr lang="ko-KR" altLang="en-US" b="1" dirty="0"/>
-              <a:t>추론기반 기법 </a:t>
-            </a:r>
-            <a:r>
-              <a:rPr lang="en-US" altLang="ko-KR" b="1" dirty="0"/>
-              <a:t>Word2vec</a:t>
-            </a:r>
-            <a:r>
-              <a:rPr lang="ko-KR" altLang="en-US" b="1" dirty="0"/>
-              <a:t>의 속도 개선을 다루는 챕터입니다</a:t>
-            </a:r>
-            <a:r>
-              <a:rPr lang="en-US" altLang="ko-KR" b="1" dirty="0"/>
-              <a:t>. </a:t>
-            </a:r>
             <a:endParaRPr b="1" dirty="0"/>
           </a:p>
         </p:txBody>
@@ -2610,163 +1836,6 @@
           </a:bodyPr>
           <a:lstStyle/>
           <a:p>
-            <a:pPr marL="158750" indent="0">
-              <a:buNone/>
-            </a:pPr>
-            <a:r>
-              <a:rPr lang="ko-KR" altLang="en-US" b="1" dirty="0"/>
-              <a:t>기존 </a:t>
-            </a:r>
-            <a:r>
-              <a:rPr lang="en-US" altLang="ko-KR" b="1" dirty="0" err="1"/>
-              <a:t>CboW</a:t>
-            </a:r>
-            <a:r>
-              <a:rPr lang="ko-KR" altLang="en-US" b="1" dirty="0"/>
-              <a:t>모델의 문제점은 어휘와 </a:t>
-            </a:r>
-            <a:r>
-              <a:rPr lang="ko-KR" altLang="en-US" b="1" dirty="0" err="1"/>
-              <a:t>은닉층</a:t>
-            </a:r>
-            <a:r>
-              <a:rPr lang="ko-KR" altLang="en-US" b="1" dirty="0"/>
-              <a:t> 뉴런의 개수가 많아지면 </a:t>
-            </a:r>
-            <a:r>
-              <a:rPr lang="ko-KR" altLang="en-US" b="1" dirty="0" err="1"/>
-              <a:t>계산량이</a:t>
-            </a:r>
-            <a:r>
-              <a:rPr lang="ko-KR" altLang="en-US" b="1" dirty="0"/>
-              <a:t> 커져 병목현상이 발생합니다</a:t>
-            </a:r>
-            <a:r>
-              <a:rPr lang="en-US" altLang="ko-KR" b="1" dirty="0"/>
-              <a:t>. </a:t>
-            </a:r>
-          </a:p>
-          <a:p>
-            <a:pPr marL="158750" indent="0">
-              <a:buNone/>
-            </a:pPr>
-            <a:r>
-              <a:rPr lang="ko-KR" altLang="en-US" b="1" dirty="0"/>
-              <a:t>이를 해결하기 위해 </a:t>
-            </a:r>
-            <a:r>
-              <a:rPr lang="en-US" altLang="ko-KR" b="1" dirty="0"/>
-              <a:t>Embedding</a:t>
-            </a:r>
-            <a:r>
-              <a:rPr lang="ko-KR" altLang="en-US" b="1" dirty="0"/>
-              <a:t>계층이 도입됩니다</a:t>
-            </a:r>
-            <a:r>
-              <a:rPr lang="en-US" altLang="ko-KR" b="1" dirty="0"/>
-              <a:t>.</a:t>
-            </a:r>
-          </a:p>
-          <a:p>
-            <a:pPr marL="158750" indent="0">
-              <a:buNone/>
-            </a:pPr>
-            <a:r>
-              <a:rPr lang="ko-KR" altLang="en-US" b="1" dirty="0"/>
-              <a:t>기존 </a:t>
-            </a:r>
-            <a:r>
-              <a:rPr lang="en-US" altLang="ko-KR" b="1" dirty="0" err="1"/>
-              <a:t>CBoW</a:t>
-            </a:r>
-            <a:r>
-              <a:rPr lang="ko-KR" altLang="en-US" b="1" dirty="0"/>
-              <a:t>모델의 </a:t>
-            </a:r>
-            <a:r>
-              <a:rPr lang="ko-KR" altLang="en-US" b="1" dirty="0" err="1"/>
-              <a:t>은닉층</a:t>
-            </a:r>
-            <a:r>
-              <a:rPr lang="ko-KR" altLang="en-US" b="1" dirty="0"/>
-              <a:t> 입력구간을 보면 희소벡터와 가중치의 곱은 인덱스에 해당하는 가중치 </a:t>
-            </a:r>
-            <a:r>
-              <a:rPr lang="ko-KR" altLang="en-US" b="1" dirty="0" err="1"/>
-              <a:t>행벡터</a:t>
-            </a:r>
-            <a:r>
-              <a:rPr lang="ko-KR" altLang="en-US" b="1" dirty="0"/>
-              <a:t> 추출과 동일합니다</a:t>
-            </a:r>
-            <a:r>
-              <a:rPr lang="en-US" altLang="ko-KR" b="1" dirty="0"/>
-              <a:t>.</a:t>
-            </a:r>
-          </a:p>
-          <a:p>
-            <a:pPr marL="158750" indent="0">
-              <a:buNone/>
-            </a:pPr>
-            <a:r>
-              <a:rPr lang="ko-KR" altLang="en-US" b="1" dirty="0"/>
-              <a:t>따라서 희소벡터가 아닌 인덱스를 </a:t>
-            </a:r>
-            <a:r>
-              <a:rPr lang="ko-KR" altLang="en-US" b="1" dirty="0" err="1"/>
-              <a:t>입력값으로</a:t>
-            </a:r>
-            <a:r>
-              <a:rPr lang="ko-KR" altLang="en-US" b="1" dirty="0"/>
-              <a:t> 주어 해당 </a:t>
-            </a:r>
-            <a:r>
-              <a:rPr lang="ko-KR" altLang="en-US" b="1" dirty="0" err="1"/>
-              <a:t>행만들</a:t>
-            </a:r>
-            <a:r>
-              <a:rPr lang="ko-KR" altLang="en-US" b="1" dirty="0"/>
-              <a:t> 추출하도록 합니다</a:t>
-            </a:r>
-            <a:r>
-              <a:rPr lang="en-US" altLang="ko-KR" b="1" dirty="0"/>
-              <a:t>.</a:t>
-            </a:r>
-          </a:p>
-          <a:p>
-            <a:pPr marL="158750" indent="0">
-              <a:buNone/>
-            </a:pPr>
-            <a:r>
-              <a:rPr lang="ko-KR" altLang="en-US" b="1" dirty="0" err="1"/>
-              <a:t>역전파</a:t>
-            </a:r>
-            <a:r>
-              <a:rPr lang="ko-KR" altLang="en-US" b="1" dirty="0"/>
-              <a:t> 과정에서 한 단어가 </a:t>
-            </a:r>
-            <a:r>
-              <a:rPr lang="ko-KR" altLang="en-US" b="1" dirty="0" err="1"/>
-              <a:t>여러번</a:t>
-            </a:r>
-            <a:r>
-              <a:rPr lang="ko-KR" altLang="en-US" b="1" dirty="0"/>
-              <a:t> 등장할 경우 </a:t>
-            </a:r>
-            <a:r>
-              <a:rPr lang="ko-KR" altLang="en-US" b="1" dirty="0" err="1"/>
-              <a:t>갱신값이</a:t>
-            </a:r>
-            <a:r>
-              <a:rPr lang="ko-KR" altLang="en-US" b="1" dirty="0"/>
-              <a:t> 덮어쓰기 될 경우를 대비하여 손실함수 값을 더하기로 학습합니다</a:t>
-            </a:r>
-            <a:r>
-              <a:rPr lang="en-US" altLang="ko-KR" b="1" dirty="0"/>
-              <a:t>.</a:t>
-            </a:r>
-          </a:p>
-          <a:p>
             <a:pPr marL="0" lvl="0" indent="0" algn="l" rtl="0">
               <a:spcBef>
                 <a:spcPts val="0"/>
@@ -2776,7 +1845,7 @@
               </a:spcAft>
               <a:buNone/>
             </a:pPr>
-            <a:endParaRPr b="1" dirty="0"/>
+            <a:endParaRPr lang="ko-KR" altLang="en-US" b="1" dirty="0"/>
           </a:p>
         </p:txBody>
       </p:sp>
@@ -2879,257 +1948,6 @@
             <a:pPr marL="158750" indent="0">
               <a:buNone/>
             </a:pPr>
-            <a:r>
-              <a:rPr lang="ko-KR" altLang="en-US" b="1" dirty="0"/>
-              <a:t>앞장의 내용과 마찬가지로</a:t>
-            </a:r>
-            <a:r>
-              <a:rPr lang="en-US" altLang="ko-KR" b="1" dirty="0"/>
-              <a:t>, </a:t>
-            </a:r>
-            <a:r>
-              <a:rPr lang="ko-KR" altLang="en-US" b="1" dirty="0" err="1"/>
-              <a:t>은닉층</a:t>
-            </a:r>
-            <a:r>
-              <a:rPr lang="ko-KR" altLang="en-US" b="1" dirty="0"/>
-              <a:t> 출력과 가중치 </a:t>
-            </a:r>
-            <a:r>
-              <a:rPr lang="en-US" altLang="ko-KR" b="1" dirty="0" err="1"/>
-              <a:t>Wout</a:t>
-            </a:r>
-            <a:r>
-              <a:rPr lang="ko-KR" altLang="en-US" b="1" dirty="0"/>
-              <a:t>의 곱 </a:t>
-            </a:r>
-            <a:r>
-              <a:rPr lang="ko-KR" altLang="en-US" b="1" dirty="0" err="1"/>
-              <a:t>계산량과</a:t>
-            </a:r>
-            <a:r>
-              <a:rPr lang="ko-KR" altLang="en-US" b="1" dirty="0"/>
-              <a:t> </a:t>
-            </a:r>
-            <a:r>
-              <a:rPr lang="en-US" altLang="ko-KR" b="1" dirty="0" err="1"/>
-              <a:t>Softmax</a:t>
-            </a:r>
-            <a:r>
-              <a:rPr lang="en-US" altLang="ko-KR" b="1" dirty="0"/>
-              <a:t> </a:t>
-            </a:r>
-            <a:r>
-              <a:rPr lang="ko-KR" altLang="en-US" b="1" dirty="0"/>
-              <a:t>계산식의 무거움의 문제점도 있습니다</a:t>
-            </a:r>
-            <a:r>
-              <a:rPr lang="en-US" altLang="ko-KR" b="1" dirty="0"/>
-              <a:t>.</a:t>
-            </a:r>
-          </a:p>
-          <a:p>
-            <a:pPr marL="158750" indent="0">
-              <a:buNone/>
-            </a:pPr>
-            <a:r>
-              <a:rPr lang="ko-KR" altLang="en-US" b="1" dirty="0"/>
-              <a:t>해결 방법으로 네거티브 샘플링 기법을 도입했는데요</a:t>
-            </a:r>
-            <a:r>
-              <a:rPr lang="en-US" altLang="ko-KR" b="1" dirty="0"/>
-              <a:t>, </a:t>
-            </a:r>
-            <a:r>
-              <a:rPr lang="ko-KR" altLang="en-US" b="1" dirty="0"/>
-              <a:t>기존의 </a:t>
-            </a:r>
-            <a:r>
-              <a:rPr lang="en-US" altLang="ko-KR" b="1" dirty="0" err="1"/>
-              <a:t>Softmax</a:t>
-            </a:r>
-            <a:r>
-              <a:rPr lang="ko-KR" altLang="en-US" b="1" dirty="0"/>
-              <a:t>함수의 다중 분류 방식을 </a:t>
-            </a:r>
-            <a:r>
-              <a:rPr lang="en-US" altLang="ko-KR" b="1" dirty="0"/>
-              <a:t>Sigmoid</a:t>
-            </a:r>
-            <a:r>
-              <a:rPr lang="ko-KR" altLang="en-US" b="1" dirty="0"/>
-              <a:t>함수를 사용하여 예</a:t>
-            </a:r>
-            <a:r>
-              <a:rPr lang="en-US" altLang="ko-KR" b="1" dirty="0"/>
-              <a:t>/</a:t>
-            </a:r>
-            <a:r>
-              <a:rPr lang="ko-KR" altLang="en-US" b="1" dirty="0" err="1"/>
-              <a:t>아니오와</a:t>
-            </a:r>
-            <a:r>
-              <a:rPr lang="ko-KR" altLang="en-US" b="1" dirty="0"/>
-              <a:t> 같은 이진 분류로 근사하는 기법입니다</a:t>
-            </a:r>
-            <a:r>
-              <a:rPr lang="en-US" altLang="ko-KR" b="1" dirty="0"/>
-              <a:t>.</a:t>
-            </a:r>
-          </a:p>
-          <a:p>
-            <a:pPr marL="0" lvl="0" indent="0" algn="l" rtl="0">
-              <a:spcBef>
-                <a:spcPts val="0"/>
-              </a:spcBef>
-              <a:spcAft>
-                <a:spcPts val="0"/>
-              </a:spcAft>
-              <a:buNone/>
-            </a:pPr>
-            <a:endParaRPr lang="en-US" altLang="ko-KR" b="1" dirty="0"/>
-          </a:p>
-          <a:p>
-            <a:pPr marL="0" lvl="0" indent="0" algn="l" rtl="0">
-              <a:spcBef>
-                <a:spcPts val="0"/>
-              </a:spcBef>
-              <a:spcAft>
-                <a:spcPts val="0"/>
-              </a:spcAft>
-              <a:buNone/>
-            </a:pPr>
-            <a:endParaRPr lang="en-US" altLang="ko-KR" b="1" dirty="0"/>
-          </a:p>
-          <a:p>
-            <a:pPr marL="0" lvl="0" indent="0" algn="l" rtl="0">
-              <a:spcBef>
-                <a:spcPts val="0"/>
-              </a:spcBef>
-              <a:spcAft>
-                <a:spcPts val="0"/>
-              </a:spcAft>
-              <a:buNone/>
-            </a:pPr>
-            <a:endParaRPr lang="en-US" altLang="ko-KR" dirty="0"/>
-          </a:p>
-          <a:p>
-            <a:pPr marL="0" lvl="0" indent="0" algn="l" rtl="0">
-              <a:spcBef>
-                <a:spcPts val="0"/>
-              </a:spcBef>
-              <a:spcAft>
-                <a:spcPts val="0"/>
-              </a:spcAft>
-              <a:buNone/>
-            </a:pPr>
-            <a:endParaRPr lang="en-US" altLang="ko-KR" dirty="0"/>
-          </a:p>
-          <a:p>
-            <a:pPr marL="0" lvl="0" indent="0" algn="l" rtl="0">
-              <a:spcBef>
-                <a:spcPts val="0"/>
-              </a:spcBef>
-              <a:spcAft>
-                <a:spcPts val="0"/>
-              </a:spcAft>
-              <a:buNone/>
-            </a:pPr>
-            <a:r>
-              <a:rPr lang="ko-KR" altLang="en-US" dirty="0"/>
-              <a:t>네거티브 샘플을 사용하는 이유</a:t>
-            </a:r>
-            <a:r>
-              <a:rPr lang="en-US" altLang="ko-KR" dirty="0"/>
-              <a:t>: </a:t>
-            </a:r>
-            <a:r>
-              <a:rPr lang="en-US" altLang="ko-KR" dirty="0" err="1"/>
-              <a:t>Softmax</a:t>
-            </a:r>
-            <a:r>
-              <a:rPr lang="ko-KR" altLang="en-US" dirty="0"/>
-              <a:t>의 </a:t>
-            </a:r>
-            <a:r>
-              <a:rPr lang="ko-KR" altLang="en-US" dirty="0" err="1"/>
-              <a:t>계산량을</a:t>
-            </a:r>
-            <a:r>
-              <a:rPr lang="ko-KR" altLang="en-US" dirty="0"/>
-              <a:t> 줄이고 학습 속도를 높이기 위함 </a:t>
-            </a:r>
-            <a:endParaRPr lang="en-US" altLang="ko-KR" dirty="0"/>
-          </a:p>
-          <a:p>
-            <a:pPr marL="0" lvl="0" indent="0" algn="l" rtl="0">
-              <a:spcBef>
-                <a:spcPts val="0"/>
-              </a:spcBef>
-              <a:spcAft>
-                <a:spcPts val="0"/>
-              </a:spcAft>
-              <a:buNone/>
-            </a:pPr>
-            <a:r>
-              <a:rPr lang="ko-KR" altLang="en-US" dirty="0"/>
-              <a:t>너무 적으면 학습이 부족하고</a:t>
-            </a:r>
-            <a:r>
-              <a:rPr lang="en-US" altLang="ko-KR" dirty="0"/>
-              <a:t>, </a:t>
-            </a:r>
-            <a:r>
-              <a:rPr lang="ko-KR" altLang="en-US" dirty="0"/>
-              <a:t>샘플을 너무 많이 넣으면 원래 방식과 차이가 없어진다</a:t>
-            </a:r>
-            <a:r>
-              <a:rPr lang="en-US" altLang="ko-KR" dirty="0"/>
-              <a:t>.(</a:t>
-            </a:r>
-            <a:r>
-              <a:rPr lang="en-US" altLang="ko-KR" dirty="0" err="1"/>
-              <a:t>Softmax</a:t>
-            </a:r>
-            <a:r>
-              <a:rPr lang="ko-KR" altLang="en-US" dirty="0"/>
-              <a:t>의 무거움</a:t>
-            </a:r>
-            <a:r>
-              <a:rPr lang="en-US" altLang="ko-KR" dirty="0"/>
-              <a:t>)</a:t>
-            </a:r>
-          </a:p>
-          <a:p>
-            <a:pPr marL="0" lvl="0" indent="0" algn="l" rtl="0">
-              <a:spcBef>
-                <a:spcPts val="0"/>
-              </a:spcBef>
-              <a:spcAft>
-                <a:spcPts val="0"/>
-              </a:spcAft>
-              <a:buNone/>
-            </a:pPr>
-            <a:endParaRPr lang="en-US" altLang="ko-KR" dirty="0"/>
-          </a:p>
-          <a:p>
-            <a:pPr marL="0" lvl="0" indent="0" algn="l" rtl="0">
-              <a:spcBef>
-                <a:spcPts val="0"/>
-              </a:spcBef>
-              <a:spcAft>
-                <a:spcPts val="0"/>
-              </a:spcAft>
-              <a:buNone/>
-            </a:pPr>
-            <a:r>
-              <a:rPr lang="ko-KR" altLang="en-US" dirty="0"/>
-              <a:t>적은 계산으로 일반화를 하는 것이 목적</a:t>
-            </a:r>
-            <a:r>
-              <a:rPr lang="en-US" altLang="ko-KR" dirty="0"/>
-              <a:t>.</a:t>
-            </a:r>
             <a:endParaRPr lang="ko-KR" altLang="en-US" dirty="0"/>
           </a:p>
         </p:txBody>
@@ -3230,81 +2048,6 @@
           </a:bodyPr>
           <a:lstStyle/>
           <a:p>
-            <a:pPr marL="158750" indent="0">
-              <a:buNone/>
-            </a:pPr>
-            <a:r>
-              <a:rPr lang="ko-KR" altLang="en-US" b="1" dirty="0"/>
-              <a:t>정답 레이블인 긍정적 예와 오답 레이블인 부정적 예를 몇개 학습하는데</a:t>
-            </a:r>
-            <a:r>
-              <a:rPr lang="en-US" altLang="ko-KR" b="1" dirty="0"/>
-              <a:t>, </a:t>
-            </a:r>
-            <a:r>
-              <a:rPr lang="ko-KR" altLang="en-US" b="1" dirty="0"/>
-              <a:t>이때 부정적 예는 적은 수를 </a:t>
-            </a:r>
-            <a:r>
-              <a:rPr lang="ko-KR" altLang="en-US" b="1" dirty="0" err="1"/>
-              <a:t>샘플링합니다</a:t>
-            </a:r>
-            <a:r>
-              <a:rPr lang="en-US" altLang="ko-KR" b="1" dirty="0"/>
-              <a:t>.</a:t>
-            </a:r>
-          </a:p>
-          <a:p>
-            <a:pPr marL="158750" indent="0">
-              <a:buNone/>
-            </a:pPr>
-            <a:r>
-              <a:rPr lang="ko-KR" altLang="en-US" b="1" dirty="0"/>
-              <a:t>말뭉치의 단어 빈도를 기준으로 확률분포를 통해 샘플링하고</a:t>
-            </a:r>
-            <a:r>
-              <a:rPr lang="en-US" altLang="ko-KR" b="1" dirty="0"/>
-              <a:t>, </a:t>
-            </a:r>
-            <a:r>
-              <a:rPr lang="ko-KR" altLang="en-US" b="1" dirty="0"/>
-              <a:t>낮은 확률의 단어를 배제하지 않기 위해 확률보정을 통해 낮은 확률은 높게</a:t>
-            </a:r>
-            <a:r>
-              <a:rPr lang="en-US" altLang="ko-KR" b="1" dirty="0"/>
-              <a:t>, </a:t>
-            </a:r>
-            <a:r>
-              <a:rPr lang="ko-KR" altLang="en-US" b="1" dirty="0"/>
-              <a:t>높은 확률은 낮게 보정합니다</a:t>
-            </a:r>
-            <a:r>
-              <a:rPr lang="en-US" altLang="ko-KR" b="1" dirty="0"/>
-              <a:t>.</a:t>
-            </a:r>
-          </a:p>
-          <a:p>
-            <a:pPr marL="158750" indent="0">
-              <a:buNone/>
-            </a:pPr>
-            <a:r>
-              <a:rPr lang="ko-KR" altLang="en-US" b="1" dirty="0"/>
-              <a:t>각각의 샘플에서 교차 엔트로피 </a:t>
-            </a:r>
-            <a:r>
-              <a:rPr lang="ko-KR" altLang="en-US" b="1" dirty="0" err="1"/>
-              <a:t>오차값의</a:t>
-            </a:r>
-            <a:r>
-              <a:rPr lang="ko-KR" altLang="en-US" b="1" dirty="0"/>
-              <a:t> 합이 최종 손실이 됩니다</a:t>
-            </a:r>
-            <a:r>
-              <a:rPr lang="en-US" altLang="ko-KR" b="1" dirty="0"/>
-              <a:t>.</a:t>
-            </a:r>
-          </a:p>
-          <a:p>
             <a:pPr marL="0" lvl="0" indent="0" algn="l" rtl="0">
               <a:spcBef>
                 <a:spcPts val="0"/>
@@ -3314,133 +2057,7 @@
               </a:spcAft>
               <a:buNone/>
             </a:pPr>
-            <a:endParaRPr lang="en-US" dirty="0"/>
-          </a:p>
-          <a:p>
-            <a:pPr marL="0" lvl="0" indent="0" algn="l" rtl="0">
-              <a:spcBef>
-                <a:spcPts val="0"/>
-              </a:spcBef>
-              <a:spcAft>
-                <a:spcPts val="0"/>
-              </a:spcAft>
-              <a:buNone/>
-            </a:pPr>
-            <a:r>
-              <a:rPr lang="ko-KR" altLang="en-US" dirty="0"/>
-              <a:t>위 사진은 </a:t>
-            </a:r>
-            <a:r>
-              <a:rPr lang="en-US" altLang="ko-KR" dirty="0" err="1"/>
-              <a:t>CBoW</a:t>
-            </a:r>
-            <a:r>
-              <a:rPr lang="ko-KR" altLang="en-US" dirty="0"/>
-              <a:t>의 네거티브 샘플링 방법이며</a:t>
-            </a:r>
-            <a:r>
-              <a:rPr lang="en-US" altLang="ko-KR" dirty="0"/>
-              <a:t>, skip-gram</a:t>
-            </a:r>
-            <a:r>
-              <a:rPr lang="ko-KR" altLang="en-US" dirty="0"/>
-              <a:t> 또한 동일하게 네거티브 샘플링이 가능하다</a:t>
-            </a:r>
-            <a:r>
-              <a:rPr lang="en-US" altLang="ko-KR" dirty="0"/>
-              <a:t>. (</a:t>
-            </a:r>
-            <a:r>
-              <a:rPr lang="en-US" altLang="ko-KR" dirty="0" err="1"/>
-              <a:t>target,context</a:t>
-            </a:r>
-            <a:r>
-              <a:rPr lang="en-US" altLang="ko-KR" dirty="0"/>
-              <a:t>) </a:t>
-            </a:r>
-            <a:r>
-              <a:rPr lang="ko-KR" altLang="en-US" dirty="0" err="1"/>
-              <a:t>한개씩이</a:t>
-            </a:r>
-            <a:r>
-              <a:rPr lang="ko-KR" altLang="en-US" dirty="0"/>
-              <a:t> 한 </a:t>
-            </a:r>
-            <a:r>
-              <a:rPr lang="ko-KR" altLang="en-US" dirty="0" err="1"/>
-              <a:t>쌍이되어</a:t>
-            </a:r>
-            <a:r>
-              <a:rPr lang="ko-KR" altLang="en-US" dirty="0"/>
-              <a:t> </a:t>
-            </a:r>
-            <a:r>
-              <a:rPr lang="ko-KR" altLang="en-US" dirty="0" err="1"/>
-              <a:t>진행하면된다</a:t>
-            </a:r>
-            <a:r>
-              <a:rPr lang="en-US" altLang="ko-KR" dirty="0"/>
-              <a:t>. </a:t>
-            </a:r>
-          </a:p>
-          <a:p>
-            <a:pPr marL="0" lvl="0" indent="0" algn="l" rtl="0">
-              <a:spcBef>
-                <a:spcPts val="0"/>
-              </a:spcBef>
-              <a:spcAft>
-                <a:spcPts val="0"/>
-              </a:spcAft>
-              <a:buNone/>
-            </a:pPr>
-            <a:r>
-              <a:rPr lang="en-US" altLang="ko-KR" dirty="0"/>
-              <a:t>Word2vec</a:t>
-            </a:r>
-            <a:r>
-              <a:rPr lang="ko-KR" altLang="en-US" dirty="0"/>
-              <a:t>의 특성상 문장에서 단어의 순서나 어순을 </a:t>
-            </a:r>
-            <a:r>
-              <a:rPr lang="ko-KR" altLang="en-US" dirty="0" err="1"/>
-              <a:t>고려하는게</a:t>
-            </a:r>
-            <a:r>
-              <a:rPr lang="ko-KR" altLang="en-US" dirty="0"/>
-              <a:t> 아니다</a:t>
-            </a:r>
-            <a:r>
-              <a:rPr lang="en-US" altLang="ko-KR" dirty="0"/>
-              <a:t>. </a:t>
-            </a:r>
-            <a:r>
-              <a:rPr lang="ko-KR" altLang="en-US" dirty="0"/>
-              <a:t>단어의 의미 잘 표현하는가를 벡터로 </a:t>
-            </a:r>
-            <a:r>
-              <a:rPr lang="ko-KR" altLang="en-US" dirty="0" err="1"/>
-              <a:t>임베딩하는</a:t>
-            </a:r>
-            <a:r>
-              <a:rPr lang="ko-KR" altLang="en-US" dirty="0"/>
-              <a:t> 것이 목적이다</a:t>
-            </a:r>
-            <a:r>
-              <a:rPr lang="en-US" altLang="ko-KR" dirty="0"/>
-              <a:t>.</a:t>
-            </a:r>
-          </a:p>
-          <a:p>
-            <a:pPr marL="0" lvl="0" indent="0" algn="l" rtl="0">
-              <a:spcBef>
-                <a:spcPts val="0"/>
-              </a:spcBef>
-              <a:spcAft>
-                <a:spcPts val="0"/>
-              </a:spcAft>
-              <a:buNone/>
-            </a:pPr>
-            <a:endParaRPr dirty="0"/>
+            <a:endParaRPr lang="ko-KR" altLang="en-US" dirty="0"/>
           </a:p>
         </p:txBody>
       </p:sp>
@@ -3540,67 +2157,6 @@
           </a:bodyPr>
           <a:lstStyle/>
           <a:p>
-            <a:pPr marL="0" marR="0" lvl="0" indent="0" algn="l" defTabSz="914400" rtl="0" eaLnBrk="1" fontAlgn="auto" latinLnBrk="0" hangingPunct="1">
-              <a:lnSpc>
-                <a:spcPct val="100000"/>
-              </a:lnSpc>
-              <a:spcBef>
-                <a:spcPts val="0"/>
-              </a:spcBef>
-              <a:spcAft>
-                <a:spcPts val="0"/>
-              </a:spcAft>
-              <a:buClr>
-                <a:srgbClr val="000000"/>
-              </a:buClr>
-              <a:buSzPts val="1100"/>
-              <a:buFont typeface="Noto Sans"/>
-              <a:buNone/>
-              <a:tabLst/>
-              <a:defRPr/>
-            </a:pPr>
-            <a:r>
-              <a:rPr lang="ko-KR" altLang="en-US" b="1" dirty="0"/>
-              <a:t>챕터 </a:t>
-            </a:r>
-            <a:r>
-              <a:rPr lang="en-US" altLang="ko-KR" b="1" dirty="0"/>
-              <a:t>2~5</a:t>
-            </a:r>
-            <a:r>
-              <a:rPr lang="ko-KR" altLang="en-US" b="1" dirty="0"/>
-              <a:t>에 대한 내용을 리뷰하려고 하는데</a:t>
-            </a:r>
-            <a:r>
-              <a:rPr lang="en-US" altLang="ko-KR" b="1" dirty="0"/>
-              <a:t>, </a:t>
-            </a:r>
-            <a:r>
-              <a:rPr lang="ko-KR" altLang="en-US" b="1" dirty="0"/>
-              <a:t>대략적인 내용은 자연어 처리에서 단어 표현에 사용되는 </a:t>
-            </a:r>
-            <a:r>
-              <a:rPr lang="en-US" altLang="ko-KR" b="1" dirty="0"/>
-              <a:t>3</a:t>
-            </a:r>
-            <a:r>
-              <a:rPr lang="ko-KR" altLang="en-US" b="1" dirty="0"/>
-              <a:t>가지 기법</a:t>
-            </a:r>
-            <a:r>
-              <a:rPr lang="en-US" altLang="ko-KR" b="1" dirty="0"/>
-              <a:t>, RNN</a:t>
-            </a:r>
-            <a:r>
-              <a:rPr lang="ko-KR" altLang="en-US" b="1" dirty="0"/>
-              <a:t>에 대한 소개 정도가 되겠습니다</a:t>
-            </a:r>
-            <a:r>
-              <a:rPr lang="en-US" altLang="ko-KR" b="1" dirty="0"/>
-              <a:t>.</a:t>
-            </a:r>
-          </a:p>
-          <a:p>
             <a:pPr marL="0" lvl="0" indent="0" algn="l" rtl="0">
               <a:spcBef>
                 <a:spcPts val="0"/>
@@ -3708,245 +2264,7 @@
             <a:pPr marL="158750" indent="0">
               <a:buNone/>
             </a:pPr>
-            <a:r>
-              <a:rPr lang="ko-KR" altLang="en-US" b="1" dirty="0"/>
-              <a:t>추론기반기법으로 얻은 분산표현을 전이학습을 통해 다양한 분야에 활용할 수 있고</a:t>
-            </a:r>
-            <a:r>
-              <a:rPr lang="en-US" altLang="ko-KR" b="1" dirty="0"/>
-              <a:t>, </a:t>
-            </a:r>
-            <a:r>
-              <a:rPr lang="ko-KR" altLang="en-US" b="1" dirty="0"/>
-              <a:t>분산표현 평가는 단어의 유사성이나 유추 문제를 활용한 평가가 일반적입니다</a:t>
-            </a:r>
-            <a:r>
-              <a:rPr lang="en-US" altLang="ko-KR" b="1" dirty="0"/>
-              <a:t>.</a:t>
-            </a:r>
-          </a:p>
-          <a:p>
-            <a:pPr marL="158750" indent="0">
-              <a:buNone/>
-            </a:pPr>
-            <a:r>
-              <a:rPr lang="ko-KR" altLang="en-US" b="1" dirty="0"/>
-              <a:t>오른쪽 그림은 유추 문제에 의한 단어 벡터의 평가 결과인데요</a:t>
-            </a:r>
-            <a:r>
-              <a:rPr lang="en-US" altLang="ko-KR" b="1" dirty="0"/>
-              <a:t>, </a:t>
-            </a:r>
-          </a:p>
-          <a:p>
-            <a:pPr marL="158750" indent="0">
-              <a:buNone/>
-            </a:pPr>
-            <a:r>
-              <a:rPr lang="ko-KR" altLang="en-US" b="1" dirty="0"/>
-              <a:t>평가 결과를 보면 데이터의 크기는 클수록 좋고</a:t>
-            </a:r>
-            <a:r>
-              <a:rPr lang="en-US" altLang="ko-KR" b="1" dirty="0"/>
-              <a:t>, </a:t>
-            </a:r>
-            <a:r>
-              <a:rPr lang="ko-KR" altLang="en-US" b="1" dirty="0" err="1"/>
-              <a:t>벡타의</a:t>
-            </a:r>
-            <a:r>
-              <a:rPr lang="ko-KR" altLang="en-US" b="1" dirty="0"/>
-              <a:t> 차원은 너무 커도 성능이 떨어집니다</a:t>
-            </a:r>
-            <a:r>
-              <a:rPr lang="en-US" altLang="ko-KR" b="1" dirty="0"/>
-              <a:t>. </a:t>
-            </a:r>
-          </a:p>
-          <a:p>
-            <a:pPr marL="158750" indent="0">
-              <a:buNone/>
-            </a:pPr>
-            <a:r>
-              <a:rPr lang="ko-KR" altLang="en-US" b="1" dirty="0"/>
-              <a:t>또한 모델에 따라 </a:t>
-            </a:r>
-            <a:r>
-              <a:rPr lang="en-US" altLang="ko-KR" b="1" dirty="0"/>
-              <a:t>task</a:t>
-            </a:r>
-            <a:r>
-              <a:rPr lang="ko-KR" altLang="en-US" b="1" dirty="0"/>
-              <a:t>에서 성능이 달라지는 것을 확인할 수 있습니다</a:t>
-            </a:r>
-            <a:r>
-              <a:rPr lang="en-US" altLang="ko-KR" b="1" dirty="0"/>
-              <a:t>.</a:t>
-            </a:r>
-          </a:p>
-          <a:p>
-            <a:pPr marL="0" lvl="0" indent="0" algn="l" rtl="0">
-              <a:spcBef>
-                <a:spcPts val="0"/>
-              </a:spcBef>
-              <a:spcAft>
-                <a:spcPts val="0"/>
-              </a:spcAft>
-              <a:buNone/>
-            </a:pPr>
-            <a:endParaRPr lang="en-US" altLang="ko-KR" dirty="0"/>
-          </a:p>
-          <a:p>
-            <a:pPr marL="0" lvl="0" indent="0" algn="l" rtl="0">
-              <a:spcBef>
-                <a:spcPts val="0"/>
-              </a:spcBef>
-              <a:spcAft>
-                <a:spcPts val="0"/>
-              </a:spcAft>
-              <a:buNone/>
-            </a:pPr>
-            <a:endParaRPr lang="en-US" altLang="ko-KR" dirty="0"/>
-          </a:p>
-          <a:p>
-            <a:pPr marL="0" lvl="0" indent="0" algn="l" rtl="0">
-              <a:spcBef>
-                <a:spcPts val="0"/>
-              </a:spcBef>
-              <a:spcAft>
-                <a:spcPts val="0"/>
-              </a:spcAft>
-              <a:buNone/>
-            </a:pPr>
-            <a:r>
-              <a:rPr lang="ko-KR" altLang="en-US" dirty="0"/>
-              <a:t>단어 벡터 평가 </a:t>
-            </a:r>
-            <a:r>
-              <a:rPr lang="en-US" altLang="ko-KR" dirty="0"/>
-              <a:t>-&gt; </a:t>
-            </a:r>
-            <a:r>
-              <a:rPr lang="ko-KR" altLang="en-US" dirty="0"/>
-              <a:t>전이학습을 통해 실제 다양한 분야에서 실제 애플리케이션으로 활용되기 전</a:t>
-            </a:r>
-            <a:r>
-              <a:rPr lang="en-US" altLang="ko-KR" dirty="0"/>
-              <a:t>, </a:t>
-            </a:r>
-            <a:r>
-              <a:rPr lang="ko-KR" altLang="en-US" dirty="0"/>
-              <a:t>단어 </a:t>
-            </a:r>
-            <a:r>
-              <a:rPr lang="ko-KR" altLang="en-US" dirty="0" err="1"/>
-              <a:t>임베딩</a:t>
-            </a:r>
-            <a:r>
-              <a:rPr lang="ko-KR" altLang="en-US" dirty="0"/>
-              <a:t> 자체의 성능을 확인하기 위한 평가</a:t>
-            </a:r>
-            <a:endParaRPr lang="en-US" altLang="ko-KR" dirty="0"/>
-          </a:p>
-          <a:p>
-            <a:pPr marL="0" lvl="0" indent="0" algn="l" rtl="0">
-              <a:spcBef>
-                <a:spcPts val="0"/>
-              </a:spcBef>
-              <a:spcAft>
-                <a:spcPts val="0"/>
-              </a:spcAft>
-              <a:buNone/>
-            </a:pPr>
-            <a:r>
-              <a:rPr lang="ko-KR" altLang="en-US" dirty="0"/>
-              <a:t>특정 </a:t>
-            </a:r>
-            <a:r>
-              <a:rPr lang="en-US" altLang="ko-KR" dirty="0"/>
-              <a:t>task</a:t>
-            </a:r>
-            <a:r>
-              <a:rPr lang="ko-KR" altLang="en-US" dirty="0"/>
-              <a:t>가 아닌</a:t>
-            </a:r>
-            <a:r>
-              <a:rPr lang="en-US" altLang="ko-KR" dirty="0"/>
-              <a:t>, </a:t>
-            </a:r>
-            <a:r>
-              <a:rPr lang="ko-KR" altLang="en-US" dirty="0"/>
-              <a:t>일반적인 언어 표현력을 확인하기 </a:t>
-            </a:r>
-            <a:r>
-              <a:rPr lang="ko-KR" altLang="en-US" dirty="0" err="1"/>
-              <a:t>위함임</a:t>
-            </a:r>
-            <a:endParaRPr lang="en-US" dirty="0"/>
-          </a:p>
-          <a:p>
-            <a:pPr marL="0" lvl="0" indent="0" algn="l" rtl="0">
-              <a:spcBef>
-                <a:spcPts val="0"/>
-              </a:spcBef>
-              <a:spcAft>
-                <a:spcPts val="0"/>
-              </a:spcAft>
-              <a:buNone/>
-            </a:pPr>
-            <a:endParaRPr lang="en-US" dirty="0"/>
-          </a:p>
-          <a:p>
-            <a:pPr marL="0" lvl="0" indent="0" algn="l" rtl="0">
-              <a:spcBef>
-                <a:spcPts val="0"/>
-              </a:spcBef>
-              <a:spcAft>
-                <a:spcPts val="0"/>
-              </a:spcAft>
-              <a:buNone/>
-            </a:pPr>
-            <a:r>
-              <a:rPr lang="ko-KR" altLang="en-US" dirty="0"/>
-              <a:t>유추 문제 평과 결과 </a:t>
-            </a:r>
-            <a:r>
-              <a:rPr lang="en-US" altLang="ko-KR" dirty="0"/>
-              <a:t>: 1.</a:t>
-            </a:r>
-            <a:r>
-              <a:rPr lang="ko-KR" altLang="en-US" dirty="0"/>
-              <a:t>데이터는 항상 많은 것이 좋음</a:t>
-            </a:r>
-            <a:r>
-              <a:rPr lang="en-US" altLang="ko-KR" dirty="0"/>
-              <a:t>. 2.</a:t>
-            </a:r>
-            <a:r>
-              <a:rPr lang="ko-KR" altLang="en-US" dirty="0"/>
-              <a:t>벡터의 차원은 너무 커지면 성능이 오히려 떨어짐</a:t>
-            </a:r>
-            <a:r>
-              <a:rPr lang="en-US" altLang="ko-KR" dirty="0"/>
-              <a:t>. 3.</a:t>
-            </a:r>
-            <a:r>
-              <a:rPr lang="ko-KR" altLang="en-US" dirty="0"/>
-              <a:t>모델에 따라 정확도가 다르므로</a:t>
-            </a:r>
-            <a:r>
-              <a:rPr lang="en-US" altLang="ko-KR" dirty="0"/>
-              <a:t>, </a:t>
-            </a:r>
-            <a:r>
-              <a:rPr lang="ko-KR" altLang="en-US" dirty="0"/>
-              <a:t>말뭉치에 따라 적합한 모델을 써야함</a:t>
-            </a:r>
-            <a:r>
-              <a:rPr lang="en-US" altLang="ko-KR" dirty="0"/>
-              <a:t>.</a:t>
-            </a:r>
-            <a:endParaRPr dirty="0"/>
+            <a:endParaRPr lang="ko-KR" altLang="en-US" dirty="0"/>
           </a:p>
         </p:txBody>
       </p:sp>
@@ -4060,51 +2378,7 @@
               <a:buFont typeface="Noto Sans"/>
               <a:buNone/>
             </a:pPr>
-            <a:endParaRPr sz="1200" b="1" i="1" dirty="0">
-              <a:solidFill>
-                <a:srgbClr val="595959"/>
-              </a:solidFill>
-              <a:latin typeface="Noto Sans" panose="020B0502040504020204" pitchFamily="34" charset="0"/>
-              <a:ea typeface="Noto Sans" panose="020B0502040504020204" pitchFamily="34" charset="0"/>
-              <a:cs typeface="Anaheim"/>
-              <a:sym typeface="Anaheim"/>
-            </a:endParaRPr>
-          </a:p>
-          <a:p>
-            <a:pPr marL="0" lvl="0" indent="0" algn="l" rtl="0">
-              <a:spcBef>
-                <a:spcPts val="0"/>
-              </a:spcBef>
-              <a:spcAft>
-                <a:spcPts val="0"/>
-              </a:spcAft>
-              <a:buNone/>
-            </a:pPr>
-            <a:r>
-              <a:rPr lang="ko-KR" altLang="en-US" b="1" dirty="0"/>
-              <a:t>마지막 </a:t>
-            </a:r>
-            <a:r>
-              <a:rPr lang="en-US" altLang="ko-KR" b="1" dirty="0"/>
-              <a:t>5</a:t>
-            </a:r>
-            <a:r>
-              <a:rPr lang="ko-KR" altLang="en-US" b="1" dirty="0"/>
-              <a:t>챕터는 </a:t>
-            </a:r>
-            <a:r>
-              <a:rPr lang="en-US" altLang="ko-KR" b="1" dirty="0"/>
-              <a:t>RNN</a:t>
-            </a:r>
-            <a:r>
-              <a:rPr lang="ko-KR" altLang="en-US" b="1" dirty="0"/>
-              <a:t>에 대한 내용입니다</a:t>
-            </a:r>
-            <a:r>
-              <a:rPr lang="en-US" altLang="ko-KR" b="1" dirty="0"/>
-              <a:t>.</a:t>
-            </a:r>
-            <a:endParaRPr b="1" dirty="0"/>
+            <a:endParaRPr lang="ko-KR" altLang="en-US" b="1" dirty="0"/>
           </a:p>
         </p:txBody>
       </p:sp>
@@ -4204,111 +2478,6 @@
           </a:bodyPr>
           <a:lstStyle/>
           <a:p>
-            <a:pPr marL="158750" indent="0">
-              <a:buNone/>
-            </a:pPr>
-            <a:r>
-              <a:rPr lang="ko-KR" altLang="en-US" b="1" dirty="0"/>
-              <a:t>문장에서 단어의 순서</a:t>
-            </a:r>
-            <a:r>
-              <a:rPr lang="en-US" altLang="ko-KR" b="1" dirty="0"/>
-              <a:t>, </a:t>
-            </a:r>
-            <a:r>
-              <a:rPr lang="ko-KR" altLang="en-US" b="1" dirty="0"/>
-              <a:t>즉 어순은 중요합니다</a:t>
-            </a:r>
-            <a:r>
-              <a:rPr lang="en-US" altLang="ko-KR" b="1" dirty="0"/>
-              <a:t>. </a:t>
-            </a:r>
-            <a:r>
-              <a:rPr lang="ko-KR" altLang="en-US" b="1" dirty="0"/>
-              <a:t>그렇기 때문에 언어 모델에서는 단어 시퀀스에 대해 각 자리의 단어가 무엇이 나올지에 대해 확률을 부여합니다</a:t>
-            </a:r>
-            <a:r>
-              <a:rPr lang="en-US" altLang="ko-KR" b="1" dirty="0"/>
-              <a:t>. </a:t>
-            </a:r>
-          </a:p>
-          <a:p>
-            <a:pPr marL="158750" indent="0">
-              <a:buNone/>
-            </a:pPr>
-            <a:r>
-              <a:rPr lang="ko-KR" altLang="en-US" b="1" dirty="0"/>
-              <a:t>이 점을 고려한다면 </a:t>
-            </a:r>
-            <a:r>
-              <a:rPr lang="en-US" altLang="ko-KR" b="1" dirty="0" err="1"/>
-              <a:t>CBoW</a:t>
-            </a:r>
-            <a:r>
-              <a:rPr lang="ko-KR" altLang="en-US" b="1" dirty="0"/>
-              <a:t>모델은 언어 모델로 부적합하다고 볼 수 있습니다</a:t>
-            </a:r>
-            <a:r>
-              <a:rPr lang="en-US" altLang="ko-KR" b="1" dirty="0"/>
-              <a:t>.</a:t>
-            </a:r>
-          </a:p>
-          <a:p>
-            <a:pPr marL="158750" indent="0">
-              <a:buNone/>
-            </a:pPr>
-            <a:r>
-              <a:rPr lang="en-US" altLang="ko-KR" b="1" dirty="0" err="1"/>
-              <a:t>CBoW</a:t>
-            </a:r>
-            <a:r>
-              <a:rPr lang="ko-KR" altLang="en-US" b="1" dirty="0"/>
-              <a:t>의 경우 맥락과 가중치 곱의 평균을 은닉층의 입력으로 받기 때문에 단어 순서가 무시됩니다</a:t>
-            </a:r>
-            <a:r>
-              <a:rPr lang="en-US" altLang="ko-KR" b="1" dirty="0"/>
-              <a:t>. </a:t>
-            </a:r>
-          </a:p>
-          <a:p>
-            <a:pPr marL="158750" indent="0">
-              <a:buNone/>
-            </a:pPr>
-            <a:r>
-              <a:rPr lang="ko-KR" altLang="en-US" b="1" dirty="0"/>
-              <a:t>이를 보완하기 위해 입력층과 가중치의 곱을 </a:t>
-            </a:r>
-            <a:r>
-              <a:rPr lang="en-US" altLang="ko-KR" b="1" dirty="0" err="1"/>
-              <a:t>concat</a:t>
-            </a:r>
-            <a:r>
-              <a:rPr lang="ko-KR" altLang="en-US" b="1" dirty="0"/>
-              <a:t>하게 되면 단어 순서를 고려할 수 있지만</a:t>
-            </a:r>
-            <a:r>
-              <a:rPr lang="en-US" altLang="ko-KR" b="1" dirty="0"/>
-              <a:t>, </a:t>
-            </a:r>
-          </a:p>
-          <a:p>
-            <a:pPr marL="158750" indent="0">
-              <a:buNone/>
-            </a:pPr>
-            <a:r>
-              <a:rPr lang="en-US" altLang="ko-KR" b="1" dirty="0"/>
-              <a:t>window size, </a:t>
-            </a:r>
-            <a:r>
-              <a:rPr lang="ko-KR" altLang="en-US" b="1" dirty="0"/>
-              <a:t>고려하는 문맥 개수가 커질 수록 매개변수가 증가하는 문제점이 있습니다</a:t>
-            </a:r>
-            <a:r>
-              <a:rPr lang="en-US" altLang="ko-KR" b="1" dirty="0"/>
-              <a:t>.</a:t>
-            </a:r>
-          </a:p>
-          <a:p>
             <a:pPr marL="0" lvl="0" indent="0" algn="l" rtl="0">
               <a:spcBef>
                 <a:spcPts val="0"/>
@@ -4318,7 +2487,7 @@
               </a:spcAft>
               <a:buNone/>
             </a:pPr>
-            <a:endParaRPr lang="en-US" dirty="0"/>
+            <a:endParaRPr lang="ko-KR" altLang="en-US" dirty="0"/>
           </a:p>
           <a:p>
             <a:pPr marL="0" lvl="0" indent="0" algn="l" rtl="0">
@@ -4331,7 +2500,7 @@
               <a:buNone/>
             </a:pPr>
             <a:r>
-              <a:rPr lang="en-US" b="1" dirty="0" err="1"/>
+              <a:rPr lang="en-US" altLang="ko-KR" b="1" dirty="0" err="1"/>
               <a:t>CBoW</a:t>
             </a:r>
             <a:r>
@@ -4393,7 +2562,7 @@
               <a:rPr lang="en-US" altLang="ko-KR" dirty="0"/>
               <a:t>.</a:t>
             </a:r>
-            <a:endParaRPr dirty="0"/>
+            <a:endParaRPr lang="ko-KR" altLang="en-US" dirty="0"/>
           </a:p>
         </p:txBody>
       </p:sp>
@@ -4493,189 +2662,109 @@
           </a:bodyPr>
           <a:lstStyle/>
           <a:p>
-            <a:pPr marL="158750" indent="0">
+            <a:pPr marL="0" lvl="0" indent="0" algn="l" rtl="0">
+              <a:spcBef>
+                <a:spcPts val="0"/>
+              </a:spcBef>
+              <a:spcAft>
+                <a:spcPts val="0"/>
+              </a:spcAft>
               <a:buNone/>
             </a:pPr>
-            <a:r>
-              <a:rPr lang="ko-KR" altLang="en-US" b="1" dirty="0"/>
-              <a:t>언어 모델인 </a:t>
-            </a:r>
-            <a:r>
-              <a:rPr lang="en-US" altLang="ko-KR" b="1" dirty="0"/>
-              <a:t>RNN</a:t>
-            </a:r>
-            <a:r>
-              <a:rPr lang="ko-KR" altLang="en-US" b="1" dirty="0"/>
-              <a:t>입니다</a:t>
-            </a:r>
-            <a:r>
-              <a:rPr lang="en-US" altLang="ko-KR" b="1" dirty="0"/>
-              <a:t>. RNN</a:t>
-            </a:r>
-            <a:r>
-              <a:rPr lang="ko-KR" altLang="en-US" b="1" dirty="0"/>
-              <a:t>은 기본적으로 계층의 출력이 다음 계층의 입력과 다음 시각의 입력으로 분기합니다</a:t>
-            </a:r>
-            <a:r>
-              <a:rPr lang="en-US" altLang="ko-KR" b="1" dirty="0"/>
-              <a:t>.</a:t>
-            </a:r>
-          </a:p>
-          <a:p>
-            <a:pPr marL="158750" indent="0">
+            <a:endParaRPr lang="ko-KR" altLang="en-US" dirty="0"/>
+          </a:p>
+          <a:p>
+            <a:pPr marL="0" lvl="0" indent="0" algn="l" rtl="0">
+              <a:spcBef>
+                <a:spcPts val="0"/>
+              </a:spcBef>
+              <a:spcAft>
+                <a:spcPts val="0"/>
+              </a:spcAft>
               <a:buNone/>
             </a:pPr>
             <a:r>
-              <a:rPr lang="ko-KR" altLang="en-US" b="1" dirty="0"/>
-              <a:t>해당 그림은 하나의 </a:t>
-            </a:r>
-            <a:r>
-              <a:rPr lang="en-US" altLang="ko-KR" b="1" dirty="0"/>
-              <a:t>RNN </a:t>
-            </a:r>
-            <a:r>
-              <a:rPr lang="ko-KR" altLang="en-US" b="1" dirty="0"/>
-              <a:t>계층을 오른쪽 방향으로 펼친 모습입니다</a:t>
-            </a:r>
-            <a:r>
-              <a:rPr lang="en-US" altLang="ko-KR" b="1" dirty="0"/>
-              <a:t>.</a:t>
-            </a:r>
-          </a:p>
-          <a:p>
-            <a:pPr marL="158750" indent="0">
+              <a:rPr lang="ko-KR" altLang="en-US" dirty="0" err="1"/>
+              <a:t>하이퍼볼릭탄젠트</a:t>
+            </a:r>
+            <a:r>
+              <a:rPr lang="ko-KR" altLang="en-US" dirty="0"/>
+              <a:t> </a:t>
+            </a:r>
+            <a:r>
+              <a:rPr lang="en-US" altLang="ko-KR" dirty="0"/>
+              <a:t>= </a:t>
+            </a:r>
+            <a:r>
+              <a:rPr lang="ko-KR" altLang="en-US" dirty="0"/>
+              <a:t>값이 </a:t>
+            </a:r>
+            <a:r>
+              <a:rPr lang="en-US" altLang="ko-KR" dirty="0"/>
+              <a:t>-1~1 </a:t>
+            </a:r>
+            <a:r>
+              <a:rPr lang="ko-KR" altLang="en-US" dirty="0"/>
+              <a:t>사이</a:t>
+            </a:r>
+            <a:r>
+              <a:rPr lang="en-US" altLang="ko-KR" dirty="0"/>
+              <a:t>. </a:t>
+            </a:r>
+            <a:r>
+              <a:rPr lang="ko-KR" altLang="en-US" dirty="0"/>
+              <a:t> </a:t>
+            </a:r>
+          </a:p>
+          <a:p>
+            <a:pPr marL="0" lvl="0" indent="0" algn="l" rtl="0">
+              <a:spcBef>
+                <a:spcPts val="0"/>
+              </a:spcBef>
+              <a:spcAft>
+                <a:spcPts val="0"/>
+              </a:spcAft>
               <a:buNone/>
             </a:pPr>
             <a:r>
-              <a:rPr lang="ko-KR" altLang="en-US" b="1" dirty="0"/>
-              <a:t>이전 시각의 </a:t>
-            </a:r>
-            <a:r>
-              <a:rPr lang="en-US" altLang="ko-KR" b="1" dirty="0"/>
-              <a:t>h</a:t>
-            </a:r>
-            <a:r>
-              <a:rPr lang="ko-KR" altLang="en-US" b="1" dirty="0"/>
-              <a:t>와 가중치 </a:t>
-            </a:r>
-            <a:r>
-              <a:rPr lang="en-US" altLang="ko-KR" b="1" dirty="0" err="1"/>
-              <a:t>Wh</a:t>
-            </a:r>
-            <a:r>
-              <a:rPr lang="ko-KR" altLang="en-US" b="1" dirty="0"/>
-              <a:t>의 곱</a:t>
-            </a:r>
-            <a:r>
-              <a:rPr lang="en-US" altLang="ko-KR" b="1" dirty="0"/>
-              <a:t>, </a:t>
-            </a:r>
-            <a:r>
-              <a:rPr lang="ko-KR" altLang="en-US" b="1" dirty="0"/>
-              <a:t>현재 시각의 입력 </a:t>
-            </a:r>
-            <a:r>
-              <a:rPr lang="en-US" altLang="ko-KR" b="1" dirty="0" err="1"/>
-              <a:t>xt</a:t>
-            </a:r>
-            <a:r>
-              <a:rPr lang="ko-KR" altLang="en-US" b="1" dirty="0"/>
-              <a:t>와 </a:t>
-            </a:r>
-            <a:r>
-              <a:rPr lang="en-US" altLang="ko-KR" b="1" dirty="0" err="1"/>
-              <a:t>Wx</a:t>
-            </a:r>
-            <a:r>
-              <a:rPr lang="ko-KR" altLang="en-US" b="1" dirty="0"/>
-              <a:t>의 곱</a:t>
-            </a:r>
-            <a:r>
-              <a:rPr lang="en-US" altLang="ko-KR" b="1" dirty="0"/>
-              <a:t>, </a:t>
-            </a:r>
-            <a:r>
-              <a:rPr lang="ko-KR" altLang="en-US" b="1" dirty="0"/>
-              <a:t>편향을 더한 값에 </a:t>
-            </a:r>
-            <a:r>
-              <a:rPr lang="ko-KR" altLang="en-US" b="1" dirty="0" err="1"/>
-              <a:t>하이퍼볼릭탄젠트</a:t>
-            </a:r>
-            <a:r>
-              <a:rPr lang="ko-KR" altLang="en-US" b="1" dirty="0"/>
-              <a:t> 함수를 사용한 것이 현재 시각의 은닉 상태 벡터 </a:t>
-            </a:r>
-            <a:r>
-              <a:rPr lang="en-US" altLang="ko-KR" b="1" dirty="0" err="1"/>
-              <a:t>ht</a:t>
-            </a:r>
-            <a:r>
-              <a:rPr lang="ko-KR" altLang="en-US" b="1" dirty="0"/>
-              <a:t>가 됩니다</a:t>
-            </a:r>
-            <a:r>
-              <a:rPr lang="en-US" altLang="ko-KR" b="1" dirty="0"/>
+              <a:rPr lang="ko-KR" altLang="en-US" dirty="0" err="1"/>
+              <a:t>시그모이드보다</a:t>
+            </a:r>
+            <a:r>
+              <a:rPr lang="ko-KR" altLang="en-US" dirty="0"/>
+              <a:t> 기울기 소실 가능성이 </a:t>
+            </a:r>
+            <a:r>
+              <a:rPr lang="ko-KR" altLang="en-US" dirty="0" err="1"/>
+              <a:t>줄어듬</a:t>
+            </a:r>
+            <a:r>
+              <a:rPr lang="en-US" altLang="ko-KR" dirty="0"/>
               <a:t>.</a:t>
             </a:r>
           </a:p>
           <a:p>
-            <a:pPr marL="158750" indent="0">
+            <a:pPr marL="0" lvl="0" indent="0" algn="l" rtl="0">
+              <a:spcBef>
+                <a:spcPts val="0"/>
+              </a:spcBef>
+              <a:spcAft>
+                <a:spcPts val="0"/>
+              </a:spcAft>
               <a:buNone/>
             </a:pPr>
             <a:r>
-              <a:rPr lang="ko-KR" altLang="en-US" b="1" dirty="0" err="1"/>
-              <a:t>하이퍼볼릭탄젠트</a:t>
-            </a:r>
-            <a:r>
-              <a:rPr lang="ko-KR" altLang="en-US" b="1" dirty="0"/>
-              <a:t> 함수는 </a:t>
-            </a:r>
-            <a:r>
-              <a:rPr lang="en-US" altLang="ko-KR" b="1" dirty="0"/>
-              <a:t>sigmoid</a:t>
-            </a:r>
-            <a:r>
-              <a:rPr lang="ko-KR" altLang="en-US" b="1" dirty="0"/>
-              <a:t>과 비교하여 </a:t>
-            </a:r>
-            <a:r>
-              <a:rPr lang="ko-KR" altLang="en-US" b="1" dirty="0" err="1"/>
-              <a:t>출력값이</a:t>
-            </a:r>
-            <a:r>
-              <a:rPr lang="ko-KR" altLang="en-US" b="1" dirty="0"/>
-              <a:t> </a:t>
-            </a:r>
-            <a:r>
-              <a:rPr lang="en-US" altLang="ko-KR" b="1" dirty="0"/>
-              <a:t>[-1,1] </a:t>
-            </a:r>
-            <a:r>
-              <a:rPr lang="ko-KR" altLang="en-US" b="1" dirty="0"/>
-              <a:t>사이로 보다 풍부한 표현력을 갖고 있으며</a:t>
-            </a:r>
-            <a:r>
-              <a:rPr lang="en-US" altLang="ko-KR" b="1" dirty="0"/>
-              <a:t>, </a:t>
-            </a:r>
-            <a:r>
-              <a:rPr lang="ko-KR" altLang="en-US" b="1" dirty="0"/>
-              <a:t>기울기 소실의 문제 또한 </a:t>
-            </a:r>
-            <a:r>
-              <a:rPr lang="en-US" altLang="ko-KR" b="1" dirty="0"/>
-              <a:t>sigmoid</a:t>
-            </a:r>
-            <a:r>
-              <a:rPr lang="ko-KR" altLang="en-US" b="1" dirty="0"/>
-              <a:t>보다 비교적 낫습니다</a:t>
-            </a:r>
-            <a:r>
-              <a:rPr lang="en-US" altLang="ko-KR" b="1" dirty="0"/>
-              <a:t>.</a:t>
-            </a:r>
-            <a:endParaRPr lang="en-US" altLang="ko-KR" dirty="0"/>
+              <a:rPr lang="ko-KR" altLang="en-US" dirty="0" err="1"/>
+              <a:t>시그모이드보다</a:t>
+            </a:r>
+            <a:r>
+              <a:rPr lang="ko-KR" altLang="en-US" dirty="0"/>
+              <a:t> 범위가 넓어 더 풍부한 표현이 가능하다</a:t>
+            </a:r>
+            <a:r>
+              <a:rPr lang="en-US" altLang="ko-KR" dirty="0"/>
+              <a:t>. </a:t>
+            </a:r>
           </a:p>
           <a:p>
             <a:pPr marL="0" lvl="0" indent="0" algn="l" rtl="0">
@@ -4699,124 +2788,6 @@
               </a:spcAft>
               <a:buNone/>
             </a:pPr>
-            <a:endParaRPr lang="en-US" altLang="ko-KR" dirty="0"/>
-          </a:p>
-          <a:p>
-            <a:pPr marL="0" lvl="0" indent="0" algn="l" rtl="0">
-              <a:spcBef>
-                <a:spcPts val="0"/>
-              </a:spcBef>
-              <a:spcAft>
-                <a:spcPts val="0"/>
-              </a:spcAft>
-              <a:buNone/>
-            </a:pPr>
-            <a:r>
-              <a:rPr lang="ko-KR" altLang="en-US" dirty="0" err="1"/>
-              <a:t>하이퍼볼릭탄젠트</a:t>
-            </a:r>
-            <a:r>
-              <a:rPr lang="ko-KR" altLang="en-US" dirty="0"/>
-              <a:t> </a:t>
-            </a:r>
-            <a:r>
-              <a:rPr lang="en-US" altLang="ko-KR" dirty="0"/>
-              <a:t>= </a:t>
-            </a:r>
-            <a:r>
-              <a:rPr lang="ko-KR" altLang="en-US" dirty="0"/>
-              <a:t>값이 </a:t>
-            </a:r>
-            <a:r>
-              <a:rPr lang="en-US" altLang="ko-KR" dirty="0"/>
-              <a:t>-1~1 </a:t>
-            </a:r>
-            <a:r>
-              <a:rPr lang="ko-KR" altLang="en-US" dirty="0"/>
-              <a:t>사이</a:t>
-            </a:r>
-            <a:r>
-              <a:rPr lang="en-US" altLang="ko-KR" dirty="0"/>
-              <a:t>. </a:t>
-            </a:r>
-            <a:r>
-              <a:rPr lang="ko-KR" altLang="en-US" dirty="0"/>
-              <a:t> </a:t>
-            </a:r>
-            <a:endParaRPr lang="en-US" altLang="ko-KR" dirty="0"/>
-          </a:p>
-          <a:p>
-            <a:pPr marL="0" lvl="0" indent="0" algn="l" rtl="0">
-              <a:spcBef>
-                <a:spcPts val="0"/>
-              </a:spcBef>
-              <a:spcAft>
-                <a:spcPts val="0"/>
-              </a:spcAft>
-              <a:buNone/>
-            </a:pPr>
-            <a:r>
-              <a:rPr lang="ko-KR" altLang="en-US" dirty="0" err="1"/>
-              <a:t>시그모이드보다</a:t>
-            </a:r>
-            <a:r>
-              <a:rPr lang="ko-KR" altLang="en-US" dirty="0"/>
-              <a:t> 기울기 소실 가능성이 </a:t>
-            </a:r>
-            <a:r>
-              <a:rPr lang="ko-KR" altLang="en-US" dirty="0" err="1"/>
-              <a:t>줄어듬</a:t>
-            </a:r>
-            <a:r>
-              <a:rPr lang="en-US" altLang="ko-KR" dirty="0"/>
-              <a:t>.</a:t>
-            </a:r>
-          </a:p>
-          <a:p>
-            <a:pPr marL="0" lvl="0" indent="0" algn="l" rtl="0">
-              <a:spcBef>
-                <a:spcPts val="0"/>
-              </a:spcBef>
-              <a:spcAft>
-                <a:spcPts val="0"/>
-              </a:spcAft>
-              <a:buNone/>
-            </a:pPr>
-            <a:r>
-              <a:rPr lang="ko-KR" altLang="en-US" dirty="0" err="1"/>
-              <a:t>시그모이드보다</a:t>
-            </a:r>
-            <a:r>
-              <a:rPr lang="ko-KR" altLang="en-US" dirty="0"/>
-              <a:t> 범위가 넓어 더 풍부한 표현이 가능하다</a:t>
-            </a:r>
-            <a:r>
-              <a:rPr lang="en-US" altLang="ko-KR" dirty="0"/>
-              <a:t>. </a:t>
-            </a:r>
-          </a:p>
-          <a:p>
-            <a:pPr marL="0" lvl="0" indent="0" algn="l" rtl="0">
-              <a:spcBef>
-                <a:spcPts val="0"/>
-              </a:spcBef>
-              <a:spcAft>
-                <a:spcPts val="0"/>
-              </a:spcAft>
-              <a:buNone/>
-            </a:pPr>
-            <a:endParaRPr lang="en-US" altLang="ko-KR" dirty="0"/>
-          </a:p>
-          <a:p>
-            <a:pPr marL="0" lvl="0" indent="0" algn="l" rtl="0">
-              <a:spcBef>
-                <a:spcPts val="0"/>
-              </a:spcBef>
-              <a:spcAft>
-                <a:spcPts val="0"/>
-              </a:spcAft>
-              <a:buNone/>
-            </a:pPr>
             <a:r>
               <a:rPr lang="ko-KR" altLang="en-US" b="1" dirty="0"/>
               <a:t>현재</a:t>
@@ -4838,10 +2809,9 @@
               <a:t>다음계층</a:t>
             </a:r>
             <a:r>
-              <a:rPr lang="en-US" altLang="ko-KR" dirty="0"/>
+              <a:rPr lang="ko-KR" altLang="en-US" dirty="0"/>
               <a:t>	</a:t>
             </a:r>
-            <a:endParaRPr dirty="0"/>
           </a:p>
         </p:txBody>
       </p:sp>
@@ -4944,178 +2914,6 @@
             <a:pPr marL="158750" indent="0">
               <a:buNone/>
             </a:pPr>
-            <a:r>
-              <a:rPr lang="en-US" altLang="ko-KR" b="1" dirty="0"/>
-              <a:t>BPTT</a:t>
-            </a:r>
-            <a:r>
-              <a:rPr lang="ko-KR" altLang="en-US" b="1" dirty="0"/>
-              <a:t>는 </a:t>
-            </a:r>
-            <a:r>
-              <a:rPr lang="en-US" altLang="ko-KR" b="1" dirty="0"/>
-              <a:t>RNN</a:t>
-            </a:r>
-            <a:r>
-              <a:rPr lang="ko-KR" altLang="en-US" b="1" dirty="0"/>
-              <a:t>에서의 </a:t>
-            </a:r>
-            <a:r>
-              <a:rPr lang="ko-KR" altLang="en-US" b="1" dirty="0" err="1"/>
-              <a:t>오차역전파법입니다</a:t>
-            </a:r>
-            <a:r>
-              <a:rPr lang="en-US" altLang="ko-KR" b="1" dirty="0"/>
-              <a:t>. </a:t>
-            </a:r>
-          </a:p>
-          <a:p>
-            <a:pPr marL="158750" indent="0">
-              <a:buNone/>
-            </a:pPr>
-            <a:r>
-              <a:rPr lang="en-US" altLang="ko-KR" b="1" dirty="0"/>
-              <a:t>RNN</a:t>
-            </a:r>
-            <a:r>
-              <a:rPr lang="ko-KR" altLang="en-US" b="1" dirty="0"/>
-              <a:t>의 특성상 큰 시계열 데이터를 처리할 시</a:t>
-            </a:r>
-            <a:r>
-              <a:rPr lang="en-US" altLang="ko-KR" b="1" dirty="0"/>
-              <a:t>, tanh</a:t>
-            </a:r>
-            <a:r>
-              <a:rPr lang="ko-KR" altLang="en-US" b="1" dirty="0"/>
-              <a:t>함수의 기울기 소실의 문제</a:t>
-            </a:r>
-            <a:r>
-              <a:rPr lang="en-US" altLang="ko-KR" b="1" dirty="0"/>
-              <a:t>, </a:t>
-            </a:r>
-            <a:r>
-              <a:rPr lang="ko-KR" altLang="en-US" b="1" dirty="0"/>
-              <a:t>가중치 </a:t>
-            </a:r>
-            <a:r>
-              <a:rPr lang="en-US" altLang="ko-KR" b="1" dirty="0"/>
-              <a:t>W</a:t>
-            </a:r>
-            <a:r>
-              <a:rPr lang="ko-KR" altLang="en-US" b="1" dirty="0"/>
-              <a:t>의 반복적인 곱으로 인해 기울기 소실 또는 폭발의 문제가 있습니다</a:t>
-            </a:r>
-            <a:r>
-              <a:rPr lang="en-US" altLang="ko-KR" b="1" dirty="0"/>
-              <a:t>.</a:t>
-            </a:r>
-          </a:p>
-          <a:p>
-            <a:pPr marL="158750" indent="0">
-              <a:buNone/>
-            </a:pPr>
-            <a:r>
-              <a:rPr lang="ko-KR" altLang="en-US" b="1" dirty="0"/>
-              <a:t>따라서 </a:t>
-            </a:r>
-            <a:r>
-              <a:rPr lang="en-US" altLang="ko-KR" b="1" dirty="0"/>
-              <a:t>Truncated BPTT</a:t>
-            </a:r>
-            <a:r>
-              <a:rPr lang="ko-KR" altLang="en-US" b="1" dirty="0"/>
-              <a:t>를 통해 역전파를 수행하여 해결합니다</a:t>
-            </a:r>
-            <a:r>
-              <a:rPr lang="en-US" altLang="ko-KR" b="1" dirty="0"/>
-              <a:t>.</a:t>
-            </a:r>
-          </a:p>
-          <a:p>
-            <a:pPr marL="158750" indent="0">
-              <a:buNone/>
-            </a:pPr>
-            <a:r>
-              <a:rPr lang="ko-KR" altLang="en-US" b="1" dirty="0"/>
-              <a:t>시계열 데이터를 블록 단위로 나눠 역전파의 연결을 잘라내는데</a:t>
-            </a:r>
-            <a:r>
-              <a:rPr lang="en-US" altLang="ko-KR" b="1" dirty="0"/>
-              <a:t>, </a:t>
-            </a:r>
-            <a:r>
-              <a:rPr lang="ko-KR" altLang="en-US" b="1" dirty="0"/>
-              <a:t>이때 순전파의 입력은 그대로 유지합니다</a:t>
-            </a:r>
-            <a:r>
-              <a:rPr lang="en-US" altLang="ko-KR" b="1" dirty="0"/>
-              <a:t>.</a:t>
-            </a:r>
-          </a:p>
-          <a:p>
-            <a:pPr marL="158750" indent="0">
-              <a:buNone/>
-            </a:pPr>
-            <a:endParaRPr lang="en-US" altLang="ko-KR" dirty="0"/>
-          </a:p>
-          <a:p>
-            <a:pPr marL="158750" indent="0">
-              <a:buNone/>
-            </a:pPr>
-            <a:r>
-              <a:rPr lang="ko-KR" altLang="en-US" b="1" dirty="0"/>
-              <a:t>예상 질문</a:t>
-            </a:r>
-            <a:r>
-              <a:rPr lang="en-US" altLang="ko-KR" b="0" dirty="0"/>
-              <a:t>: </a:t>
-            </a:r>
-          </a:p>
-          <a:p>
-            <a:pPr marL="158750" indent="0">
-              <a:buNone/>
-            </a:pPr>
-            <a:r>
-              <a:rPr lang="en-US" altLang="ko-KR" b="0" dirty="0"/>
-              <a:t>Q. BPTT</a:t>
-            </a:r>
-            <a:r>
-              <a:rPr lang="ko-KR" altLang="en-US" b="0" dirty="0"/>
-              <a:t>에서 왜 기울기가 불안정해지는가</a:t>
-            </a:r>
-            <a:r>
-              <a:rPr lang="en-US" altLang="ko-KR" b="0" dirty="0"/>
-              <a:t>?</a:t>
-            </a:r>
-          </a:p>
-          <a:p>
-            <a:pPr marL="158750" indent="0">
-              <a:buNone/>
-            </a:pPr>
-            <a:r>
-              <a:rPr lang="en-US" altLang="ko-KR" b="0" dirty="0"/>
-              <a:t>A. tanh</a:t>
-            </a:r>
-            <a:r>
-              <a:rPr lang="ko-KR" altLang="en-US" b="0" dirty="0"/>
-              <a:t>함수의 기울기 소실의 문제</a:t>
-            </a:r>
-            <a:r>
-              <a:rPr lang="en-US" altLang="ko-KR" b="0" dirty="0"/>
-              <a:t>, </a:t>
-            </a:r>
-            <a:r>
-              <a:rPr lang="ko-KR" altLang="en-US" b="0" dirty="0"/>
-              <a:t>가중치 </a:t>
-            </a:r>
-            <a:r>
-              <a:rPr lang="en-US" altLang="ko-KR" b="0" dirty="0"/>
-              <a:t>W</a:t>
-            </a:r>
-            <a:r>
-              <a:rPr lang="ko-KR" altLang="en-US" b="0" dirty="0"/>
-              <a:t>의 반복적인 곱으로 인해 기울기 소실 또는 폭발의 문제</a:t>
-            </a:r>
             <a:endParaRPr lang="en-US" altLang="ko-KR" b="0" dirty="0"/>
           </a:p>
         </p:txBody>
@@ -5216,122 +3014,6 @@
           </a:bodyPr>
           <a:lstStyle/>
           <a:p>
-            <a:pPr marL="158750" indent="0">
-              <a:buNone/>
-            </a:pPr>
-            <a:r>
-              <a:rPr lang="en-US" altLang="ko-KR" b="1" dirty="0"/>
-              <a:t>Truncated BPTT</a:t>
-            </a:r>
-            <a:r>
-              <a:rPr lang="ko-KR" altLang="en-US" b="1" dirty="0"/>
-              <a:t>의 미니배치 학습은</a:t>
-            </a:r>
-            <a:r>
-              <a:rPr lang="en-US" altLang="ko-KR" b="1" dirty="0"/>
-              <a:t>, </a:t>
-            </a:r>
-            <a:r>
-              <a:rPr lang="ko-KR" altLang="en-US" b="1" dirty="0"/>
-              <a:t>배치 사이즈에 맞게 </a:t>
-            </a:r>
-            <a:r>
-              <a:rPr lang="en-US" altLang="ko-KR" b="1" dirty="0"/>
-              <a:t>offset</a:t>
-            </a:r>
-            <a:r>
-              <a:rPr lang="ko-KR" altLang="en-US" b="1" dirty="0"/>
-              <a:t>을 수행합니다</a:t>
-            </a:r>
-            <a:r>
-              <a:rPr lang="en-US" altLang="ko-KR" b="1" dirty="0"/>
-              <a:t>.</a:t>
-            </a:r>
-          </a:p>
-          <a:p>
-            <a:pPr marL="158750" indent="0">
-              <a:buNone/>
-            </a:pPr>
-            <a:r>
-              <a:rPr lang="ko-KR" altLang="en-US" b="1" dirty="0"/>
-              <a:t>오른쪽의 예를 보면</a:t>
-            </a:r>
-            <a:r>
-              <a:rPr lang="en-US" altLang="ko-KR" b="1" dirty="0"/>
-              <a:t>, </a:t>
-            </a:r>
-            <a:r>
-              <a:rPr lang="ko-KR" altLang="en-US" b="1" dirty="0" err="1"/>
-              <a:t>비니배치</a:t>
-            </a:r>
-            <a:r>
-              <a:rPr lang="ko-KR" altLang="en-US" b="1" dirty="0"/>
-              <a:t> 수가 </a:t>
-            </a:r>
-            <a:r>
-              <a:rPr lang="en-US" altLang="ko-KR" b="1" dirty="0"/>
-              <a:t>2</a:t>
-            </a:r>
-            <a:r>
-              <a:rPr lang="ko-KR" altLang="en-US" b="1" dirty="0"/>
-              <a:t>이고 길이가 </a:t>
-            </a:r>
-            <a:r>
-              <a:rPr lang="en-US" altLang="ko-KR" b="1" dirty="0"/>
-              <a:t>1000</a:t>
-            </a:r>
-            <a:r>
-              <a:rPr lang="ko-KR" altLang="en-US" b="1" dirty="0"/>
-              <a:t>개인 데이터일 때 학습 처리 순서입니다</a:t>
-            </a:r>
-            <a:r>
-              <a:rPr lang="en-US" altLang="ko-KR" b="1" dirty="0"/>
-              <a:t>.</a:t>
-            </a:r>
-          </a:p>
-          <a:p>
-            <a:pPr marL="158750" indent="0">
-              <a:buNone/>
-            </a:pPr>
-            <a:r>
-              <a:rPr lang="ko-KR" altLang="en-US" b="1" dirty="0"/>
-              <a:t>두번째 미니배치 원소를 보시면 </a:t>
-            </a:r>
-            <a:r>
-              <a:rPr lang="en-US" altLang="ko-KR" b="1" dirty="0"/>
-              <a:t>500</a:t>
-            </a:r>
-            <a:r>
-              <a:rPr lang="ko-KR" altLang="en-US" b="1" dirty="0"/>
-              <a:t>으로 </a:t>
-            </a:r>
-            <a:r>
-              <a:rPr lang="en-US" altLang="ko-KR" b="1" dirty="0"/>
-              <a:t>offset</a:t>
-            </a:r>
-            <a:r>
-              <a:rPr lang="ko-KR" altLang="en-US" b="1" dirty="0"/>
-              <a:t>후 학습하는 것을 볼 수 있습니다</a:t>
-            </a:r>
-            <a:r>
-              <a:rPr lang="en-US" altLang="ko-KR" b="1" dirty="0"/>
-              <a:t>.</a:t>
-            </a:r>
-          </a:p>
-          <a:p>
-            <a:pPr marL="158750" indent="0">
-              <a:buNone/>
-            </a:pPr>
-            <a:r>
-              <a:rPr lang="ko-KR" altLang="en-US" b="1" dirty="0"/>
-              <a:t>데이터를 순서대로 입력하다 끝에 도달하면 다시 처음부터 입력하도록 합니다</a:t>
-            </a:r>
-            <a:r>
-              <a:rPr lang="en-US" altLang="ko-KR" b="1" dirty="0"/>
-              <a:t>.</a:t>
-            </a:r>
-          </a:p>
-          <a:p>
             <a:pPr marL="0" lvl="0" indent="0" algn="l" rtl="0">
               <a:spcBef>
                 <a:spcPts val="0"/>
@@ -5341,7 +3023,7 @@
               </a:spcAft>
               <a:buNone/>
             </a:pPr>
-            <a:endParaRPr lang="en-US" altLang="ko-KR" dirty="0"/>
+            <a:endParaRPr lang="ko-KR" altLang="en-US" dirty="0"/>
           </a:p>
           <a:p>
             <a:pPr marL="0" lvl="0" indent="0" algn="l" rtl="0">
@@ -5353,7 +3035,62 @@
               </a:spcAft>
               <a:buNone/>
             </a:pPr>
-            <a:endParaRPr lang="en-US" altLang="ko-KR" dirty="0"/>
+            <a:r>
+              <a:rPr lang="ko-KR" altLang="en-US" dirty="0"/>
+              <a:t>데이터의 순차적 입력이 중요한 </a:t>
+            </a:r>
+            <a:r>
+              <a:rPr lang="en-US" altLang="ko-KR" dirty="0"/>
+              <a:t>RNN</a:t>
+            </a:r>
+            <a:r>
+              <a:rPr lang="ko-KR" altLang="en-US" dirty="0"/>
+              <a:t>에서 미니배치를 사용하여 병렬로 </a:t>
+            </a:r>
+            <a:r>
+              <a:rPr lang="ko-KR" altLang="en-US" dirty="0" err="1"/>
+              <a:t>계산시</a:t>
+            </a:r>
+            <a:r>
+              <a:rPr lang="ko-KR" altLang="en-US" dirty="0"/>
+              <a:t> </a:t>
+            </a:r>
+            <a:r>
+              <a:rPr lang="en-US" altLang="ko-KR" dirty="0"/>
+              <a:t>, </a:t>
+            </a:r>
+            <a:r>
+              <a:rPr lang="ko-KR" altLang="en-US" dirty="0"/>
+              <a:t>현재 예시에서 </a:t>
+            </a:r>
+            <a:r>
+              <a:rPr lang="en-US" altLang="ko-KR" dirty="0"/>
+              <a:t>500</a:t>
+            </a:r>
+            <a:r>
+              <a:rPr lang="ko-KR" altLang="en-US" dirty="0"/>
+              <a:t>만큼 </a:t>
+            </a:r>
+            <a:r>
+              <a:rPr lang="en-US" altLang="ko-KR" dirty="0"/>
+              <a:t>offset</a:t>
+            </a:r>
+            <a:r>
+              <a:rPr lang="ko-KR" altLang="en-US" dirty="0"/>
+              <a:t>한 시각의 첫 처리는 이전 은닉 상태 벡터</a:t>
+            </a:r>
+            <a:r>
+              <a:rPr lang="en-US" altLang="ko-KR" dirty="0"/>
+              <a:t>(h499)</a:t>
+            </a:r>
+            <a:r>
+              <a:rPr lang="ko-KR" altLang="en-US" dirty="0"/>
+              <a:t>를 받지 못한 상태에서 계산이 진행되는데</a:t>
+            </a:r>
+            <a:r>
+              <a:rPr lang="en-US" altLang="ko-KR" dirty="0"/>
+              <a:t>, </a:t>
+            </a:r>
           </a:p>
           <a:p>
             <a:pPr marL="0" lvl="0" indent="0" algn="l" rtl="0">
@@ -5365,85 +3102,6 @@
               </a:spcAft>
               <a:buNone/>
             </a:pPr>
-            <a:endParaRPr lang="en-US" altLang="ko-KR" dirty="0"/>
-          </a:p>
-          <a:p>
-            <a:pPr marL="0" lvl="0" indent="0" algn="l" rtl="0">
-              <a:spcBef>
-                <a:spcPts val="0"/>
-              </a:spcBef>
-              <a:spcAft>
-                <a:spcPts val="0"/>
-              </a:spcAft>
-              <a:buNone/>
-            </a:pPr>
-            <a:r>
-              <a:rPr lang="ko-KR" altLang="en-US" dirty="0"/>
-              <a:t>데이터의 순차적 입력이 중요한 </a:t>
-            </a:r>
-            <a:r>
-              <a:rPr lang="en-US" altLang="ko-KR" dirty="0"/>
-              <a:t>RNN</a:t>
-            </a:r>
-            <a:r>
-              <a:rPr lang="ko-KR" altLang="en-US" dirty="0"/>
-              <a:t>에서 미니배치를 사용하여 병렬로 </a:t>
-            </a:r>
-            <a:r>
-              <a:rPr lang="ko-KR" altLang="en-US" dirty="0" err="1"/>
-              <a:t>계산시</a:t>
-            </a:r>
-            <a:r>
-              <a:rPr lang="ko-KR" altLang="en-US" dirty="0"/>
-              <a:t> </a:t>
-            </a:r>
-            <a:r>
-              <a:rPr lang="en-US" altLang="ko-KR" dirty="0"/>
-              <a:t>, </a:t>
-            </a:r>
-            <a:r>
-              <a:rPr lang="ko-KR" altLang="en-US" dirty="0"/>
-              <a:t>현재 예시에서 </a:t>
-            </a:r>
-            <a:r>
-              <a:rPr lang="en-US" altLang="ko-KR" dirty="0"/>
-              <a:t>500</a:t>
-            </a:r>
-            <a:r>
-              <a:rPr lang="ko-KR" altLang="en-US" dirty="0"/>
-              <a:t>만큼 </a:t>
-            </a:r>
-            <a:r>
-              <a:rPr lang="en-US" altLang="ko-KR" dirty="0"/>
-              <a:t>offset</a:t>
-            </a:r>
-            <a:r>
-              <a:rPr lang="ko-KR" altLang="en-US" dirty="0"/>
-              <a:t>한 시각의 첫 처리는 이전 은닉 상태 벡터</a:t>
-            </a:r>
-            <a:r>
-              <a:rPr lang="en-US" altLang="ko-KR" dirty="0"/>
-              <a:t>(h499)</a:t>
-            </a:r>
-            <a:r>
-              <a:rPr lang="ko-KR" altLang="en-US" dirty="0"/>
-              <a:t>를 받지 못한 상태에서 계산이 진행되는데</a:t>
-            </a:r>
-            <a:r>
-              <a:rPr lang="en-US" altLang="ko-KR" dirty="0"/>
-              <a:t>, </a:t>
-            </a:r>
-          </a:p>
-          <a:p>
-            <a:pPr marL="0" lvl="0" indent="0" algn="l" rtl="0">
-              <a:spcBef>
-                <a:spcPts val="0"/>
-              </a:spcBef>
-              <a:spcAft>
-                <a:spcPts val="0"/>
-              </a:spcAft>
-              <a:buNone/>
-            </a:pPr>
             <a:r>
               <a:rPr lang="ko-KR" altLang="en-US" dirty="0"/>
               <a:t>이게 </a:t>
@@ -5464,7 +3122,7 @@
               <a:rPr lang="ko-KR" altLang="en-US" dirty="0" err="1"/>
               <a:t>쓰는거임</a:t>
             </a:r>
-            <a:endParaRPr dirty="0"/>
+            <a:endParaRPr lang="ko-KR" altLang="en-US" dirty="0"/>
           </a:p>
         </p:txBody>
       </p:sp>
@@ -5573,26 +3231,7 @@
               </a:spcAft>
               <a:buNone/>
             </a:pPr>
-            <a:r>
-              <a:rPr lang="en-US" altLang="ko-KR" b="1" dirty="0"/>
-              <a:t>RNNLM</a:t>
-            </a:r>
-            <a:r>
-              <a:rPr lang="ko-KR" altLang="en-US" b="1" dirty="0"/>
-              <a:t>은 </a:t>
-            </a:r>
-            <a:r>
-              <a:rPr lang="en-US" altLang="ko-KR" b="1" dirty="0"/>
-              <a:t>RNN</a:t>
-            </a:r>
-            <a:r>
-              <a:rPr lang="ko-KR" altLang="en-US" b="1" dirty="0"/>
-              <a:t>계층이 있는 언어 모델입니다</a:t>
-            </a:r>
-            <a:r>
-              <a:rPr lang="en-US" altLang="ko-KR" b="1" dirty="0"/>
-              <a:t>. </a:t>
-            </a:r>
+            <a:endParaRPr lang="ko-KR" altLang="en-US" dirty="0"/>
           </a:p>
           <a:p>
             <a:pPr marL="0" lvl="0" indent="0" algn="l" rtl="0">
@@ -5605,64 +3244,6 @@
               <a:buNone/>
             </a:pPr>
             <a:r>
-              <a:rPr lang="ko-KR" altLang="en-US" b="1" dirty="0"/>
-              <a:t>앞에서 보았듯이</a:t>
-            </a:r>
-            <a:r>
-              <a:rPr lang="en-US" altLang="ko-KR" b="1" dirty="0"/>
-              <a:t>, RNN</a:t>
-            </a:r>
-            <a:r>
-              <a:rPr lang="ko-KR" altLang="en-US" b="1" dirty="0"/>
-              <a:t>계층은 과거 정보를 다음 시각에 활용하게 됩니다</a:t>
-            </a:r>
-            <a:r>
-              <a:rPr lang="en-US" altLang="ko-KR" b="1" dirty="0"/>
-              <a:t>. </a:t>
-            </a:r>
-          </a:p>
-          <a:p>
-            <a:pPr marL="0" lvl="0" indent="0" algn="l" rtl="0">
-              <a:spcBef>
-                <a:spcPts val="0"/>
-              </a:spcBef>
-              <a:spcAft>
-                <a:spcPts val="0"/>
-              </a:spcAft>
-              <a:buNone/>
-            </a:pPr>
-            <a:r>
-              <a:rPr lang="ko-KR" altLang="en-US" b="1" dirty="0"/>
-              <a:t>모든 시각의 손실합의 평균이 최종 손실이 됩니다</a:t>
-            </a:r>
-            <a:r>
-              <a:rPr lang="en-US" altLang="ko-KR" b="1" dirty="0"/>
-              <a:t>. </a:t>
-            </a:r>
-          </a:p>
-          <a:p>
-            <a:pPr marL="0" lvl="0" indent="0" algn="l" rtl="0">
-              <a:spcBef>
-                <a:spcPts val="0"/>
-              </a:spcBef>
-              <a:spcAft>
-                <a:spcPts val="0"/>
-              </a:spcAft>
-              <a:buNone/>
-            </a:pPr>
-            <a:endParaRPr lang="en-US" altLang="ko-KR" dirty="0"/>
-          </a:p>
-          <a:p>
-            <a:pPr marL="0" lvl="0" indent="0" algn="l" rtl="0">
-              <a:spcBef>
-                <a:spcPts val="0"/>
-              </a:spcBef>
-              <a:spcAft>
-                <a:spcPts val="0"/>
-              </a:spcAft>
-              <a:buNone/>
-            </a:pPr>
-            <a:r>
               <a:rPr lang="ko-KR" altLang="en-US" dirty="0"/>
               <a:t>그림의 예에서는 논리적으로 </a:t>
             </a:r>
@@ -5690,7 +3271,6 @@
               <a:rPr lang="ko-KR" altLang="en-US" dirty="0"/>
               <a:t>물리적으로는 하나의 계층을 공유하여 재사용할 수 있음</a:t>
             </a:r>
-            <a:endParaRPr dirty="0"/>
           </a:p>
         </p:txBody>
       </p:sp>
@@ -5790,147 +3370,6 @@
           </a:bodyPr>
           <a:lstStyle/>
           <a:p>
-            <a:pPr marL="158750" indent="0">
-              <a:buNone/>
-            </a:pPr>
-            <a:r>
-              <a:rPr lang="ko-KR" altLang="en-US" b="1" dirty="0" err="1"/>
-              <a:t>퍼플렉서티는</a:t>
-            </a:r>
-            <a:r>
-              <a:rPr lang="ko-KR" altLang="en-US" b="1" dirty="0"/>
-              <a:t> 언어 모델의 예측 성능을 평가하는 척도로 자주 이용됩니다</a:t>
-            </a:r>
-            <a:r>
-              <a:rPr lang="en-US" altLang="ko-KR" b="1" dirty="0"/>
-              <a:t>. </a:t>
-            </a:r>
-          </a:p>
-          <a:p>
-            <a:pPr marL="158750" indent="0">
-              <a:buNone/>
-            </a:pPr>
-            <a:r>
-              <a:rPr lang="ko-KR" altLang="en-US" b="1" dirty="0" err="1"/>
-              <a:t>퍼플렉서티는</a:t>
-            </a:r>
-            <a:r>
-              <a:rPr lang="ko-KR" altLang="en-US" b="1" dirty="0"/>
-              <a:t> 확률의 역수이며 분기 수를 의미합니다</a:t>
-            </a:r>
-            <a:r>
-              <a:rPr lang="en-US" altLang="ko-KR" b="1" dirty="0"/>
-              <a:t>. </a:t>
-            </a:r>
-          </a:p>
-          <a:p>
-            <a:pPr marL="158750" indent="0">
-              <a:buNone/>
-            </a:pPr>
-            <a:r>
-              <a:rPr lang="ko-KR" altLang="en-US" b="1" dirty="0"/>
-              <a:t>예를 들어 </a:t>
-            </a:r>
-            <a:r>
-              <a:rPr lang="ko-KR" altLang="en-US" b="1" dirty="0" err="1"/>
-              <a:t>퍼플렉서티</a:t>
-            </a:r>
-            <a:r>
-              <a:rPr lang="ko-KR" altLang="en-US" b="1" dirty="0"/>
-              <a:t> 값이 </a:t>
-            </a:r>
-            <a:r>
-              <a:rPr lang="en-US" altLang="ko-KR" b="1" dirty="0"/>
-              <a:t>2</a:t>
-            </a:r>
-            <a:r>
-              <a:rPr lang="ko-KR" altLang="en-US" b="1" dirty="0"/>
-              <a:t>라면</a:t>
-            </a:r>
-            <a:r>
-              <a:rPr lang="en-US" altLang="ko-KR" b="1" dirty="0"/>
-              <a:t>, </a:t>
-            </a:r>
-            <a:r>
-              <a:rPr lang="ko-KR" altLang="en-US" b="1" dirty="0"/>
-              <a:t>다음에 출현할 수 있는 단어 후보가 </a:t>
-            </a:r>
-            <a:r>
-              <a:rPr lang="en-US" altLang="ko-KR" b="1" dirty="0"/>
-              <a:t>2</a:t>
-            </a:r>
-            <a:r>
-              <a:rPr lang="ko-KR" altLang="en-US" b="1" dirty="0"/>
-              <a:t>개라는 의미입니다</a:t>
-            </a:r>
-            <a:r>
-              <a:rPr lang="en-US" altLang="ko-KR" b="1" dirty="0"/>
-              <a:t>.</a:t>
-            </a:r>
-          </a:p>
-          <a:p>
-            <a:pPr marL="158750" indent="0">
-              <a:buNone/>
-            </a:pPr>
-            <a:r>
-              <a:rPr lang="ko-KR" altLang="en-US" b="1" dirty="0"/>
-              <a:t>아래 그림을 보면</a:t>
-            </a:r>
-            <a:r>
-              <a:rPr lang="en-US" altLang="ko-KR" b="1" dirty="0"/>
-              <a:t>, </a:t>
-            </a:r>
-            <a:r>
-              <a:rPr lang="ko-KR" altLang="en-US" b="1" dirty="0"/>
-              <a:t>모델 </a:t>
-            </a:r>
-            <a:r>
-              <a:rPr lang="en-US" altLang="ko-KR" b="1" dirty="0"/>
-              <a:t>1,2</a:t>
-            </a:r>
-            <a:r>
-              <a:rPr lang="ko-KR" altLang="en-US" b="1" dirty="0"/>
-              <a:t>에 단어 “</a:t>
-            </a:r>
-            <a:r>
-              <a:rPr lang="en-US" altLang="ko-KR" b="1" dirty="0"/>
-              <a:t>say”</a:t>
-            </a:r>
-            <a:r>
-              <a:rPr lang="ko-KR" altLang="en-US" b="1" dirty="0"/>
-              <a:t>의 확률을 </a:t>
-            </a:r>
-            <a:r>
-              <a:rPr lang="ko-KR" altLang="en-US" b="1" dirty="0" err="1"/>
-              <a:t>퍼플렉서티로</a:t>
-            </a:r>
-            <a:r>
-              <a:rPr lang="ko-KR" altLang="en-US" b="1" dirty="0"/>
-              <a:t> 표현한 값을 볼 수 있습니다</a:t>
-            </a:r>
-            <a:r>
-              <a:rPr lang="en-US" altLang="ko-KR" b="1" dirty="0"/>
-              <a:t>.</a:t>
-            </a:r>
-          </a:p>
-          <a:p>
-            <a:pPr marL="158750" indent="0">
-              <a:buNone/>
-            </a:pPr>
-            <a:r>
-              <a:rPr lang="ko-KR" altLang="en-US" b="1" dirty="0" err="1"/>
-              <a:t>퍼플렉서티</a:t>
-            </a:r>
-            <a:r>
-              <a:rPr lang="ko-KR" altLang="en-US" b="1" dirty="0"/>
-              <a:t> 값이 작을수록 좋다는 것을 알 수 있습니다</a:t>
-            </a:r>
-            <a:r>
-              <a:rPr lang="en-US" altLang="ko-KR" b="1" dirty="0"/>
-              <a:t>.</a:t>
-            </a:r>
-          </a:p>
-          <a:p>
             <a:pPr marL="0" lvl="0" indent="0" algn="l" rtl="0">
               <a:spcBef>
                 <a:spcPts val="0"/>
@@ -5940,7 +3379,7 @@
               </a:spcAft>
               <a:buNone/>
             </a:pPr>
-            <a:endParaRPr dirty="0"/>
+            <a:endParaRPr lang="ko-KR" altLang="en-US" dirty="0"/>
           </a:p>
         </p:txBody>
       </p:sp>
@@ -6170,343 +3609,6 @@
             <a:pPr marL="158750" indent="0">
               <a:buNone/>
             </a:pPr>
-            <a:r>
-              <a:rPr lang="ko-KR" altLang="en-US" b="1" dirty="0"/>
-              <a:t>자연어 처리 분야는 컴퓨터가 일을 수행하기 때문에 컴퓨터가 자연어를 이해할 수 있도록 단어를 가공해야 합니다</a:t>
-            </a:r>
-            <a:r>
-              <a:rPr lang="en-US" altLang="ko-KR" b="1" dirty="0"/>
-              <a:t>. </a:t>
-            </a:r>
-          </a:p>
-          <a:p>
-            <a:pPr marL="158750" indent="0">
-              <a:buNone/>
-            </a:pPr>
-            <a:r>
-              <a:rPr lang="ko-KR" altLang="en-US" b="1" dirty="0"/>
-              <a:t>컴퓨터에게 단어를 잘 이해시키기 위해 </a:t>
-            </a:r>
-            <a:r>
-              <a:rPr lang="en-US" altLang="ko-KR" b="1" dirty="0"/>
-              <a:t>3</a:t>
-            </a:r>
-            <a:r>
-              <a:rPr lang="ko-KR" altLang="en-US" b="1" dirty="0"/>
-              <a:t>가지 단어 표현 기법이 있는데</a:t>
-            </a:r>
-            <a:r>
-              <a:rPr lang="en-US" altLang="ko-KR" b="1" dirty="0"/>
-              <a:t>, </a:t>
-            </a:r>
-            <a:r>
-              <a:rPr lang="ko-KR" altLang="en-US" b="1" dirty="0"/>
-              <a:t>제일 먼저 시소러스를 알아보겠습니다</a:t>
-            </a:r>
-            <a:r>
-              <a:rPr lang="en-US" altLang="ko-KR" b="1" dirty="0"/>
-              <a:t>.</a:t>
-            </a:r>
-          </a:p>
-          <a:p>
-            <a:pPr marL="158750" indent="0">
-              <a:buNone/>
-            </a:pPr>
-            <a:r>
-              <a:rPr lang="ko-KR" altLang="en-US" b="1" dirty="0"/>
-              <a:t>시소러스는 유의어</a:t>
-            </a:r>
-            <a:r>
-              <a:rPr lang="en-US" altLang="ko-KR" b="1" dirty="0"/>
-              <a:t>, </a:t>
-            </a:r>
-            <a:r>
-              <a:rPr lang="ko-KR" altLang="en-US" b="1" dirty="0"/>
-              <a:t>동의어 사전입니다</a:t>
-            </a:r>
-            <a:r>
-              <a:rPr lang="en-US" altLang="ko-KR" b="1" dirty="0"/>
-              <a:t>. </a:t>
-            </a:r>
-            <a:r>
-              <a:rPr lang="ko-KR" altLang="en-US" b="1" dirty="0"/>
-              <a:t>뜻이 비슷한</a:t>
-            </a:r>
-            <a:r>
-              <a:rPr lang="en-US" altLang="ko-KR" b="1" dirty="0"/>
-              <a:t>, </a:t>
-            </a:r>
-            <a:r>
-              <a:rPr lang="ko-KR" altLang="en-US" b="1" dirty="0"/>
-              <a:t>같은 단어끼리 그룹화한 것들을 말합니다</a:t>
-            </a:r>
-            <a:r>
-              <a:rPr lang="en-US" altLang="ko-KR" b="1" dirty="0"/>
-              <a:t>.</a:t>
-            </a:r>
-          </a:p>
-          <a:p>
-            <a:pPr marL="158750" indent="0">
-              <a:buNone/>
-            </a:pPr>
-            <a:r>
-              <a:rPr lang="ko-KR" altLang="en-US" b="1" dirty="0"/>
-              <a:t>전체와 </a:t>
-            </a:r>
-            <a:r>
-              <a:rPr lang="ko-KR" altLang="en-US" b="1" dirty="0" err="1"/>
-              <a:t>부분같은</a:t>
-            </a:r>
-            <a:r>
-              <a:rPr lang="ko-KR" altLang="en-US" b="1" dirty="0"/>
-              <a:t> 구체적인 관계까지 정의하는 경우도 있습니다</a:t>
-            </a:r>
-            <a:r>
-              <a:rPr lang="en-US" altLang="ko-KR" b="1" dirty="0"/>
-              <a:t>.</a:t>
-            </a:r>
-          </a:p>
-          <a:p>
-            <a:pPr marL="158750" indent="0">
-              <a:buNone/>
-            </a:pPr>
-            <a:r>
-              <a:rPr lang="ko-KR" altLang="en-US" b="1" dirty="0"/>
-              <a:t>시소러스의 단점은 </a:t>
-            </a:r>
-            <a:r>
-              <a:rPr lang="ko-KR" altLang="en-US" b="1" dirty="0" err="1"/>
-              <a:t>일일히</a:t>
-            </a:r>
-            <a:r>
-              <a:rPr lang="ko-KR" altLang="en-US" b="1" dirty="0"/>
-              <a:t> 그룹화하기 때문에 단어가 많을수록</a:t>
-            </a:r>
-            <a:r>
-              <a:rPr lang="en-US" altLang="ko-KR" b="1" dirty="0"/>
-              <a:t>, </a:t>
-            </a:r>
-            <a:r>
-              <a:rPr lang="ko-KR" altLang="en-US" b="1" dirty="0"/>
-              <a:t>그리고 새로운 의미의 단어가 생겨날수록 높은 인적 비용이 발생합니다</a:t>
-            </a:r>
-            <a:r>
-              <a:rPr lang="en-US" altLang="ko-KR" b="1" dirty="0"/>
-              <a:t>.</a:t>
-            </a:r>
-          </a:p>
-          <a:p>
-            <a:pPr marL="158750" indent="0">
-              <a:buNone/>
-            </a:pPr>
-            <a:r>
-              <a:rPr lang="ko-KR" altLang="en-US" b="1" dirty="0"/>
-              <a:t>또한</a:t>
-            </a:r>
-            <a:r>
-              <a:rPr lang="en-US" altLang="ko-KR" b="1" dirty="0"/>
-              <a:t>, </a:t>
-            </a:r>
-            <a:r>
-              <a:rPr lang="ko-KR" altLang="en-US" b="1" dirty="0"/>
-              <a:t>유의어의 경우 그룹 내에 있는 단어들의 의미 차이를 표현할 수 없습니다</a:t>
-            </a:r>
-            <a:r>
-              <a:rPr lang="en-US" altLang="ko-KR" b="1" dirty="0"/>
-              <a:t>.</a:t>
-            </a:r>
-          </a:p>
-          <a:p>
-            <a:pPr marL="0" lvl="0" indent="0" algn="l" rtl="0">
-              <a:spcBef>
-                <a:spcPts val="0"/>
-              </a:spcBef>
-              <a:spcAft>
-                <a:spcPts val="0"/>
-              </a:spcAft>
-              <a:buNone/>
-            </a:pPr>
-            <a:endParaRPr lang="en-US" altLang="ko-KR" b="1" dirty="0"/>
-          </a:p>
-          <a:p>
-            <a:pPr marL="0" lvl="0" indent="0" algn="l" rtl="0">
-              <a:spcBef>
-                <a:spcPts val="0"/>
-              </a:spcBef>
-              <a:spcAft>
-                <a:spcPts val="0"/>
-              </a:spcAft>
-              <a:buNone/>
-            </a:pPr>
-            <a:endParaRPr lang="en-US" altLang="ko-KR" b="1" dirty="0"/>
-          </a:p>
-          <a:p>
-            <a:pPr marL="0" lvl="0" indent="0" algn="l" rtl="0">
-              <a:spcBef>
-                <a:spcPts val="0"/>
-              </a:spcBef>
-              <a:spcAft>
-                <a:spcPts val="0"/>
-              </a:spcAft>
-              <a:buNone/>
-            </a:pPr>
-            <a:endParaRPr lang="en-US" altLang="ko-KR" dirty="0"/>
-          </a:p>
-          <a:p>
-            <a:pPr marL="0" lvl="0" indent="0" algn="l" rtl="0">
-              <a:spcBef>
-                <a:spcPts val="0"/>
-              </a:spcBef>
-              <a:spcAft>
-                <a:spcPts val="0"/>
-              </a:spcAft>
-              <a:buNone/>
-            </a:pPr>
-            <a:endParaRPr lang="en-US" altLang="ko-KR" dirty="0"/>
-          </a:p>
-          <a:p>
-            <a:pPr marL="0" lvl="0" indent="0" algn="l" rtl="0">
-              <a:spcBef>
-                <a:spcPts val="0"/>
-              </a:spcBef>
-              <a:spcAft>
-                <a:spcPts val="0"/>
-              </a:spcAft>
-              <a:buNone/>
-            </a:pPr>
-            <a:r>
-              <a:rPr lang="ko-KR" altLang="en-US" dirty="0"/>
-              <a:t>자연어 처리를 위해서는 컴퓨터에게 단어의 의미를 </a:t>
-            </a:r>
-            <a:r>
-              <a:rPr lang="ko-KR" altLang="en-US" dirty="0" err="1"/>
-              <a:t>이해시켜야함</a:t>
-            </a:r>
-            <a:endParaRPr lang="en-US" altLang="ko-KR" dirty="0"/>
-          </a:p>
-          <a:p>
-            <a:pPr marL="0" lvl="0" indent="0" algn="l" rtl="0">
-              <a:spcBef>
-                <a:spcPts val="0"/>
-              </a:spcBef>
-              <a:spcAft>
-                <a:spcPts val="0"/>
-              </a:spcAft>
-              <a:buNone/>
-            </a:pPr>
-            <a:r>
-              <a:rPr lang="ko-KR" altLang="en-US" dirty="0"/>
-              <a:t>단어의 의미를 이해시키기 위해 가공을 하는데</a:t>
-            </a:r>
-            <a:r>
-              <a:rPr lang="en-US" altLang="ko-KR" dirty="0"/>
-              <a:t>, 3</a:t>
-            </a:r>
-            <a:r>
-              <a:rPr lang="ko-KR" altLang="en-US" dirty="0"/>
-              <a:t>가지 표현 기법이 등장</a:t>
-            </a:r>
-            <a:r>
-              <a:rPr lang="en-US" altLang="ko-KR" dirty="0"/>
-              <a:t>. </a:t>
-            </a:r>
-          </a:p>
-          <a:p>
-            <a:pPr marL="0" lvl="0" indent="0" algn="l" rtl="0">
-              <a:spcBef>
-                <a:spcPts val="0"/>
-              </a:spcBef>
-              <a:spcAft>
-                <a:spcPts val="0"/>
-              </a:spcAft>
-              <a:buNone/>
-            </a:pPr>
-            <a:endParaRPr lang="en-US" altLang="ko-KR" dirty="0"/>
-          </a:p>
-          <a:p>
-            <a:pPr marL="0" lvl="0" indent="0" algn="l" rtl="0">
-              <a:spcBef>
-                <a:spcPts val="0"/>
-              </a:spcBef>
-              <a:spcAft>
-                <a:spcPts val="0"/>
-              </a:spcAft>
-              <a:buNone/>
-            </a:pPr>
-            <a:r>
-              <a:rPr lang="ko-KR" altLang="en-US" dirty="0"/>
-              <a:t>시소러스는 백과사전과 같은 역할을 하는데</a:t>
-            </a:r>
-            <a:r>
-              <a:rPr lang="en-US" altLang="ko-KR" dirty="0"/>
-              <a:t>, </a:t>
-            </a:r>
-            <a:r>
-              <a:rPr lang="ko-KR" altLang="en-US" dirty="0"/>
-              <a:t>유의어 사전임</a:t>
-            </a:r>
-            <a:r>
-              <a:rPr lang="en-US" altLang="ko-KR" dirty="0"/>
-              <a:t>. </a:t>
-            </a:r>
-          </a:p>
-          <a:p>
-            <a:pPr marL="0" lvl="0" indent="0" algn="l" rtl="0">
-              <a:spcBef>
-                <a:spcPts val="0"/>
-              </a:spcBef>
-              <a:spcAft>
-                <a:spcPts val="0"/>
-              </a:spcAft>
-              <a:buNone/>
-            </a:pPr>
-            <a:r>
-              <a:rPr lang="ko-KR" altLang="en-US" dirty="0" err="1"/>
-              <a:t>단어들간의</a:t>
-            </a:r>
-            <a:r>
-              <a:rPr lang="ko-KR" altLang="en-US" dirty="0"/>
-              <a:t> 의미적으로 유사한 단어들</a:t>
-            </a:r>
-            <a:r>
-              <a:rPr lang="en-US" altLang="ko-KR" dirty="0"/>
-              <a:t>, </a:t>
-            </a:r>
-            <a:r>
-              <a:rPr lang="ko-KR" altLang="en-US" dirty="0"/>
-              <a:t>또는 동의어를 그룹으로 분류한다</a:t>
-            </a:r>
-            <a:r>
-              <a:rPr lang="en-US" altLang="ko-KR" dirty="0"/>
-              <a:t>.</a:t>
-            </a:r>
-          </a:p>
-          <a:p>
-            <a:pPr marL="0" lvl="0" indent="0" algn="l" rtl="0">
-              <a:spcBef>
-                <a:spcPts val="0"/>
-              </a:spcBef>
-              <a:spcAft>
-                <a:spcPts val="0"/>
-              </a:spcAft>
-              <a:buNone/>
-            </a:pPr>
-            <a:r>
-              <a:rPr lang="en-US" altLang="ko-KR" dirty="0"/>
-              <a:t>NLP</a:t>
-            </a:r>
-            <a:r>
-              <a:rPr lang="ko-KR" altLang="en-US" dirty="0"/>
-              <a:t>에서는 상</a:t>
-            </a:r>
-            <a:r>
-              <a:rPr lang="en-US" altLang="ko-KR" dirty="0"/>
-              <a:t>,</a:t>
-            </a:r>
-            <a:r>
-              <a:rPr lang="ko-KR" altLang="en-US" dirty="0"/>
-              <a:t>하관계로 관계를 정의하기도 함</a:t>
-            </a:r>
             <a:endParaRPr lang="en-US" altLang="ko-KR" dirty="0"/>
           </a:p>
         </p:txBody>
@@ -6605,61 +3707,7 @@
             <a:pPr marL="158750" indent="0">
               <a:buNone/>
             </a:pPr>
-            <a:r>
-              <a:rPr lang="ko-KR" altLang="en-US" b="1" dirty="0"/>
-              <a:t>다음으로 통계 기반 기법을 알아보기 전 몇가지 단어들에 대한 정의를 알아보겠습니다</a:t>
-            </a:r>
-            <a:r>
-              <a:rPr lang="en-US" altLang="ko-KR" b="1" dirty="0"/>
-              <a:t>.</a:t>
-            </a:r>
-          </a:p>
-          <a:p>
-            <a:pPr marL="158750" indent="0">
-              <a:buNone/>
-            </a:pPr>
-            <a:r>
-              <a:rPr lang="ko-KR" altLang="en-US" b="1" dirty="0"/>
-              <a:t>먼저 말뭉치에 대한 정의입니다</a:t>
-            </a:r>
-            <a:r>
-              <a:rPr lang="en-US" altLang="ko-KR" b="1" dirty="0"/>
-              <a:t>. </a:t>
-            </a:r>
-          </a:p>
-          <a:p>
-            <a:pPr marL="158750" indent="0">
-              <a:buNone/>
-            </a:pPr>
-            <a:r>
-              <a:rPr lang="ko-KR" altLang="en-US" b="1" dirty="0"/>
-              <a:t>연구</a:t>
-            </a:r>
-            <a:r>
-              <a:rPr lang="en-US" altLang="ko-KR" b="1" dirty="0"/>
-              <a:t>, </a:t>
-            </a:r>
-            <a:r>
-              <a:rPr lang="ko-KR" altLang="en-US" b="1" dirty="0"/>
-              <a:t>애플리케이션 개발 등의 목적으로 수집된 다량의 텍스트 데이터를 말뭉치라고 합니다</a:t>
-            </a:r>
-            <a:r>
-              <a:rPr lang="en-US" altLang="ko-KR" b="1" dirty="0"/>
-              <a:t>.</a:t>
-            </a:r>
-          </a:p>
-          <a:p>
-            <a:pPr marL="158750" indent="0">
-              <a:buNone/>
-            </a:pPr>
-            <a:r>
-              <a:rPr lang="ko-KR" altLang="en-US" b="1" dirty="0"/>
-              <a:t>이때 맹목적으로 수집된 것이 아닌 그림과 같이 특정한 카테고리에 따라 수집된 텍스트 데이터를 말합니다</a:t>
-            </a:r>
-            <a:r>
-              <a:rPr lang="en-US" altLang="ko-KR" b="1" dirty="0"/>
-              <a:t>.</a:t>
-            </a:r>
+            <a:endParaRPr lang="en-US" altLang="ko-KR" b="1" dirty="0"/>
           </a:p>
         </p:txBody>
       </p:sp>
@@ -6762,277 +3810,6 @@
             <a:pPr marL="158750" indent="0">
               <a:buNone/>
             </a:pPr>
-            <a:r>
-              <a:rPr lang="ko-KR" altLang="en-US" b="1" dirty="0"/>
-              <a:t>다음으로는 분포 가설입니다</a:t>
-            </a:r>
-            <a:r>
-              <a:rPr lang="en-US" altLang="ko-KR" b="1" dirty="0"/>
-              <a:t>. </a:t>
-            </a:r>
-            <a:r>
-              <a:rPr lang="ko-KR" altLang="en-US" b="1" dirty="0"/>
-              <a:t>단어의 의미는 주변 단어에 의해 형성된다는 가설입니다</a:t>
-            </a:r>
-            <a:r>
-              <a:rPr lang="en-US" altLang="ko-KR" b="1" dirty="0"/>
-              <a:t>.</a:t>
-            </a:r>
-          </a:p>
-          <a:p>
-            <a:pPr marL="158750" indent="0">
-              <a:buNone/>
-            </a:pPr>
-            <a:r>
-              <a:rPr lang="ko-KR" altLang="en-US" b="1" dirty="0"/>
-              <a:t>문장을 예시로 보자면</a:t>
-            </a:r>
-            <a:r>
-              <a:rPr lang="en-US" altLang="ko-KR" b="1" dirty="0"/>
-              <a:t>, “goodbye”</a:t>
-            </a:r>
-            <a:r>
-              <a:rPr lang="ko-KR" altLang="en-US" b="1" dirty="0"/>
-              <a:t>는 주변 단어인 “</a:t>
-            </a:r>
-            <a:r>
-              <a:rPr lang="en-US" altLang="ko-KR" b="1" dirty="0"/>
-              <a:t>you”, “say”, “and”, “</a:t>
-            </a:r>
-            <a:r>
-              <a:rPr lang="en-US" altLang="ko-KR" b="1" dirty="0" err="1"/>
-              <a:t>i</a:t>
-            </a:r>
-            <a:r>
-              <a:rPr lang="en-US" altLang="ko-KR" b="1" dirty="0"/>
-              <a:t>”</a:t>
-            </a:r>
-            <a:r>
-              <a:rPr lang="ko-KR" altLang="en-US" b="1" dirty="0"/>
-              <a:t>에 의해 의미가 형성된다고 볼 수 있습니다</a:t>
-            </a:r>
-            <a:r>
-              <a:rPr lang="en-US" altLang="ko-KR" b="1" dirty="0"/>
-              <a:t>.</a:t>
-            </a:r>
-          </a:p>
-          <a:p>
-            <a:pPr marL="158750" indent="0">
-              <a:buNone/>
-            </a:pPr>
-            <a:r>
-              <a:rPr lang="ko-KR" altLang="en-US" b="1" dirty="0"/>
-              <a:t>분산 표현은 분포 가설을 기초로 단어를 특정 차원의 고정 길이 밀집 벡터로 나타냅니다</a:t>
-            </a:r>
-            <a:r>
-              <a:rPr lang="en-US" altLang="ko-KR" b="1" dirty="0"/>
-              <a:t>.</a:t>
-            </a:r>
-          </a:p>
-          <a:p>
-            <a:pPr marL="158750" indent="0">
-              <a:buNone/>
-            </a:pPr>
-            <a:r>
-              <a:rPr lang="ko-KR" altLang="en-US" b="1" dirty="0"/>
-              <a:t>이렇게 나타낸 분산표현을 통해 두 단어의 유사도를 구할 수 있는데요</a:t>
-            </a:r>
-            <a:r>
-              <a:rPr lang="en-US" altLang="ko-KR" b="1" dirty="0"/>
-              <a:t>, </a:t>
-            </a:r>
-          </a:p>
-          <a:p>
-            <a:pPr marL="158750" indent="0">
-              <a:buNone/>
-            </a:pPr>
-            <a:r>
-              <a:rPr lang="ko-KR" altLang="en-US" b="1" dirty="0"/>
-              <a:t>코사인 유사도 계산을 통해 </a:t>
-            </a:r>
-            <a:r>
-              <a:rPr lang="en-US" altLang="ko-KR" b="1" dirty="0"/>
-              <a:t>1</a:t>
-            </a:r>
-            <a:r>
-              <a:rPr lang="ko-KR" altLang="en-US" b="1" dirty="0"/>
-              <a:t>에 가까울수록 의미가 비슷한 것이고</a:t>
-            </a:r>
-            <a:r>
-              <a:rPr lang="en-US" altLang="ko-KR" b="1" dirty="0"/>
-              <a:t>, -1</a:t>
-            </a:r>
-            <a:r>
-              <a:rPr lang="ko-KR" altLang="en-US" b="1" dirty="0"/>
-              <a:t>에 가까울수록 의미가 반대에 가까워집니다</a:t>
-            </a:r>
-            <a:r>
-              <a:rPr lang="en-US" altLang="ko-KR" b="1" dirty="0"/>
-              <a:t>.</a:t>
-            </a:r>
-          </a:p>
-          <a:p>
-            <a:pPr marL="0" lvl="0" indent="0" algn="l" rtl="0">
-              <a:spcBef>
-                <a:spcPts val="0"/>
-              </a:spcBef>
-              <a:spcAft>
-                <a:spcPts val="0"/>
-              </a:spcAft>
-              <a:buNone/>
-            </a:pPr>
-            <a:endParaRPr lang="en-US" altLang="ko-KR" b="1" dirty="0"/>
-          </a:p>
-          <a:p>
-            <a:pPr marL="0" lvl="0" indent="0" algn="l" rtl="0">
-              <a:spcBef>
-                <a:spcPts val="0"/>
-              </a:spcBef>
-              <a:spcAft>
-                <a:spcPts val="0"/>
-              </a:spcAft>
-              <a:buNone/>
-            </a:pPr>
-            <a:endParaRPr lang="en-US" altLang="ko-KR" dirty="0"/>
-          </a:p>
-          <a:p>
-            <a:pPr marL="0" lvl="0" indent="0" algn="l" rtl="0">
-              <a:spcBef>
-                <a:spcPts val="0"/>
-              </a:spcBef>
-              <a:spcAft>
-                <a:spcPts val="0"/>
-              </a:spcAft>
-              <a:buNone/>
-            </a:pPr>
-            <a:endParaRPr lang="en-US" altLang="ko-KR" dirty="0"/>
-          </a:p>
-          <a:p>
-            <a:pPr marL="0" lvl="0" indent="0" algn="l" rtl="0">
-              <a:spcBef>
-                <a:spcPts val="0"/>
-              </a:spcBef>
-              <a:spcAft>
-                <a:spcPts val="0"/>
-              </a:spcAft>
-              <a:buNone/>
-            </a:pPr>
-            <a:r>
-              <a:rPr lang="ko-KR" altLang="en-US" dirty="0"/>
-              <a:t>코사인 거리</a:t>
-            </a:r>
-            <a:r>
-              <a:rPr lang="en-US" altLang="ko-KR" dirty="0"/>
-              <a:t>[0,1]</a:t>
-            </a:r>
-            <a:r>
-              <a:rPr lang="ko-KR" altLang="en-US" dirty="0"/>
-              <a:t> </a:t>
-            </a:r>
-            <a:r>
-              <a:rPr lang="en-US" altLang="ko-KR" dirty="0"/>
-              <a:t>= (1 – </a:t>
-            </a:r>
-            <a:r>
-              <a:rPr lang="ko-KR" altLang="en-US" dirty="0"/>
-              <a:t>코사인 유사도</a:t>
-            </a:r>
-            <a:r>
-              <a:rPr lang="en-US" altLang="ko-KR" dirty="0"/>
-              <a:t>) , </a:t>
-            </a:r>
-            <a:r>
-              <a:rPr lang="ko-KR" altLang="en-US" dirty="0"/>
-              <a:t>각을 계산</a:t>
-            </a:r>
-            <a:r>
-              <a:rPr lang="en-US" altLang="ko-KR" dirty="0"/>
-              <a:t>.  </a:t>
-            </a:r>
-            <a:r>
-              <a:rPr lang="ko-KR" altLang="en-US" dirty="0"/>
-              <a:t>작을수록 가까움</a:t>
-            </a:r>
-            <a:endParaRPr lang="en-US" altLang="ko-KR" dirty="0"/>
-          </a:p>
-          <a:p>
-            <a:pPr marL="0" lvl="0" indent="0" algn="l" rtl="0">
-              <a:spcBef>
-                <a:spcPts val="0"/>
-              </a:spcBef>
-              <a:spcAft>
-                <a:spcPts val="0"/>
-              </a:spcAft>
-              <a:buNone/>
-            </a:pPr>
-            <a:r>
-              <a:rPr lang="ko-KR" altLang="en-US" dirty="0"/>
-              <a:t>유클리드 거리 </a:t>
-            </a:r>
-            <a:r>
-              <a:rPr lang="en-US" altLang="ko-KR" dirty="0"/>
-              <a:t>= </a:t>
-            </a:r>
-            <a:r>
-              <a:rPr lang="ko-KR" altLang="en-US" dirty="0"/>
-              <a:t>두 점 사이의 직선거리를 계산</a:t>
-            </a:r>
-            <a:r>
-              <a:rPr lang="en-US" altLang="ko-KR" dirty="0"/>
-              <a:t>. </a:t>
-            </a:r>
-            <a:r>
-              <a:rPr lang="ko-KR" altLang="en-US" dirty="0"/>
-              <a:t>작을수록 가까움</a:t>
-            </a:r>
-            <a:endParaRPr lang="en-US" altLang="ko-KR" dirty="0"/>
-          </a:p>
-          <a:p>
-            <a:pPr marL="0" lvl="0" indent="0" algn="l" rtl="0">
-              <a:spcBef>
-                <a:spcPts val="0"/>
-              </a:spcBef>
-              <a:spcAft>
-                <a:spcPts val="0"/>
-              </a:spcAft>
-              <a:buNone/>
-            </a:pPr>
-            <a:endParaRPr lang="en-US" dirty="0"/>
-          </a:p>
-          <a:p>
-            <a:pPr marL="0" lvl="0" indent="0" algn="l" rtl="0">
-              <a:spcBef>
-                <a:spcPts val="0"/>
-              </a:spcBef>
-              <a:spcAft>
-                <a:spcPts val="0"/>
-              </a:spcAft>
-              <a:buNone/>
-            </a:pPr>
-            <a:r>
-              <a:rPr lang="ko-KR" altLang="en-US" dirty="0"/>
-              <a:t>언제 코사인</a:t>
-            </a:r>
-            <a:r>
-              <a:rPr lang="en-US" altLang="ko-KR" dirty="0"/>
-              <a:t>, </a:t>
-            </a:r>
-            <a:r>
-              <a:rPr lang="ko-KR" altLang="en-US" dirty="0"/>
-              <a:t>언제 유클리드를 쓰냐</a:t>
-            </a:r>
-            <a:r>
-              <a:rPr lang="en-US" altLang="ko-KR" dirty="0"/>
-              <a:t>? Scale</a:t>
-            </a:r>
-            <a:r>
-              <a:rPr lang="ko-KR" altLang="en-US" dirty="0"/>
-              <a:t>이 커지면 코사인을 추천한다</a:t>
-            </a:r>
-            <a:r>
-              <a:rPr lang="en-US" altLang="ko-KR" dirty="0"/>
-              <a:t>. </a:t>
-            </a:r>
             <a:endParaRPr dirty="0"/>
           </a:p>
         </p:txBody>
@@ -7133,53 +3910,6 @@
           </a:bodyPr>
           <a:lstStyle/>
           <a:p>
-            <a:pPr marL="158750" indent="0">
-              <a:buNone/>
-            </a:pPr>
-            <a:r>
-              <a:rPr lang="ko-KR" altLang="en-US" b="1" dirty="0"/>
-              <a:t>통계 기반 기법은 분포 가설을 바탕으로 단어 등장횟수의 통계를 통해 의미를 파악하는 기법입니다</a:t>
-            </a:r>
-            <a:r>
-              <a:rPr lang="en-US" altLang="ko-KR" b="1" dirty="0"/>
-              <a:t>.</a:t>
-            </a:r>
-          </a:p>
-          <a:p>
-            <a:pPr marL="158750" indent="0">
-              <a:buNone/>
-            </a:pPr>
-            <a:r>
-              <a:rPr lang="ko-KR" altLang="en-US" b="1" dirty="0"/>
-              <a:t>문장을 예시로 본다면</a:t>
-            </a:r>
-            <a:r>
-              <a:rPr lang="en-US" altLang="ko-KR" b="1" dirty="0"/>
-              <a:t>, say </a:t>
-            </a:r>
-            <a:r>
-              <a:rPr lang="ko-KR" altLang="en-US" b="1" dirty="0"/>
-              <a:t>주변의 단어 등장횟수를 그림과 같이 행벡터로 표현할 수 있습니다</a:t>
-            </a:r>
-            <a:r>
-              <a:rPr lang="en-US" altLang="ko-KR" b="1" dirty="0"/>
-              <a:t>.</a:t>
-            </a:r>
-          </a:p>
-          <a:p>
-            <a:pPr marL="158750" indent="0">
-              <a:buNone/>
-            </a:pPr>
-            <a:r>
-              <a:rPr lang="ko-KR" altLang="en-US" b="1" dirty="0"/>
-              <a:t>말뭉치에 있는 모든 단어에 대해 슬라이딩 윈도우를 통해 행벡터로 표현한 것을 행렬화 한 것을 동시발생 행렬이라고 정의합니다</a:t>
-            </a:r>
-            <a:r>
-              <a:rPr lang="en-US" altLang="ko-KR" b="1" dirty="0"/>
-              <a:t>.</a:t>
-            </a:r>
-          </a:p>
-          <a:p>
             <a:pPr marL="0" lvl="0" indent="0" algn="l" rtl="0">
               <a:spcBef>
                 <a:spcPts val="0"/>
@@ -7289,182 +4019,6 @@
           </a:bodyPr>
           <a:lstStyle/>
           <a:p>
-            <a:pPr marL="158750" indent="0">
-              <a:buNone/>
-            </a:pPr>
-            <a:r>
-              <a:rPr lang="ko-KR" altLang="en-US" b="1" dirty="0"/>
-              <a:t>앞서 말씀드린 통계 기반 기법의 개선 기법 중 하나인 </a:t>
-            </a:r>
-            <a:r>
-              <a:rPr lang="ko-KR" altLang="en-US" b="1" dirty="0" err="1"/>
-              <a:t>점별</a:t>
-            </a:r>
-            <a:r>
-              <a:rPr lang="ko-KR" altLang="en-US" b="1" dirty="0"/>
-              <a:t> </a:t>
-            </a:r>
-            <a:r>
-              <a:rPr lang="ko-KR" altLang="en-US" b="1" dirty="0" err="1"/>
-              <a:t>상호정보량입니다</a:t>
-            </a:r>
-            <a:r>
-              <a:rPr lang="en-US" altLang="ko-KR" b="1" dirty="0"/>
-              <a:t>.</a:t>
-            </a:r>
-          </a:p>
-          <a:p>
-            <a:pPr marL="158750" indent="0">
-              <a:buNone/>
-            </a:pPr>
-            <a:r>
-              <a:rPr lang="ko-KR" altLang="en-US" b="1" dirty="0"/>
-              <a:t>통계 기반 기법에서는 단순히 단어의 빈도수를 파악하기 때문에 “</a:t>
-            </a:r>
-            <a:r>
-              <a:rPr lang="en-US" altLang="ko-KR" b="1" dirty="0"/>
-              <a:t>the”</a:t>
-            </a:r>
-            <a:r>
-              <a:rPr lang="ko-KR" altLang="en-US" b="1" dirty="0"/>
-              <a:t>와 같은 관사는 말뭉치에서 등장 횟수가 많다는 이유로 여러 단어와 관련성이 더 크다고 파악될 수 있습니다</a:t>
-            </a:r>
-            <a:r>
-              <a:rPr lang="en-US" altLang="ko-KR" b="1" dirty="0"/>
-              <a:t>.</a:t>
-            </a:r>
-          </a:p>
-          <a:p>
-            <a:pPr marL="158750" indent="0">
-              <a:buNone/>
-            </a:pPr>
-            <a:r>
-              <a:rPr lang="ko-KR" altLang="en-US" b="1" dirty="0"/>
-              <a:t>이런 점을 보완하기 위해 </a:t>
-            </a:r>
-            <a:r>
-              <a:rPr lang="ko-KR" altLang="en-US" b="1" dirty="0" err="1"/>
-              <a:t>점별</a:t>
-            </a:r>
-            <a:r>
-              <a:rPr lang="ko-KR" altLang="en-US" b="1" dirty="0"/>
-              <a:t> </a:t>
-            </a:r>
-            <a:r>
-              <a:rPr lang="ko-KR" altLang="en-US" b="1" dirty="0" err="1"/>
-              <a:t>상호정보량을</a:t>
-            </a:r>
-            <a:r>
-              <a:rPr lang="ko-KR" altLang="en-US" b="1" dirty="0"/>
-              <a:t> 통해 </a:t>
-            </a:r>
-            <a:r>
-              <a:rPr lang="en-US" altLang="ko-KR" b="1" dirty="0"/>
-              <a:t>PMI</a:t>
-            </a:r>
-            <a:r>
-              <a:rPr lang="ko-KR" altLang="en-US" b="1" dirty="0"/>
-              <a:t>행렬로 변환한다면</a:t>
-            </a:r>
-            <a:r>
-              <a:rPr lang="en-US" altLang="ko-KR" b="1" dirty="0"/>
-              <a:t>, </a:t>
-            </a:r>
-            <a:r>
-              <a:rPr lang="ko-KR" altLang="en-US" b="1" dirty="0"/>
-              <a:t>단어 사이의 관련성을 좀 더 개선할 수 있습니다</a:t>
-            </a:r>
-            <a:r>
-              <a:rPr lang="en-US" altLang="ko-KR" b="1" dirty="0"/>
-              <a:t>.</a:t>
-            </a:r>
-          </a:p>
-          <a:p>
-            <a:pPr marL="158750" indent="0">
-              <a:buNone/>
-            </a:pPr>
-            <a:r>
-              <a:rPr lang="en-US" altLang="ko-KR" b="1" dirty="0"/>
-              <a:t>PPMI</a:t>
-            </a:r>
-            <a:r>
-              <a:rPr lang="ko-KR" altLang="en-US" b="1" dirty="0"/>
-              <a:t>는 양의 </a:t>
-            </a:r>
-            <a:r>
-              <a:rPr lang="ko-KR" altLang="en-US" b="1" dirty="0" err="1"/>
-              <a:t>상호정보량입니다</a:t>
-            </a:r>
-            <a:r>
-              <a:rPr lang="en-US" altLang="ko-KR" b="1" dirty="0"/>
-              <a:t>. PMI </a:t>
-            </a:r>
-            <a:r>
-              <a:rPr lang="ko-KR" altLang="en-US" b="1" dirty="0"/>
-              <a:t>수식이 </a:t>
-            </a:r>
-            <a:r>
-              <a:rPr lang="en-US" altLang="ko-KR" b="1" dirty="0"/>
-              <a:t>log</a:t>
-            </a:r>
-            <a:r>
-              <a:rPr lang="ko-KR" altLang="en-US" b="1" dirty="0"/>
-              <a:t>함수이기 때문에 동시발생 횟수가 </a:t>
-            </a:r>
-            <a:r>
-              <a:rPr lang="en-US" altLang="ko-KR" b="1" dirty="0"/>
-              <a:t>0</a:t>
-            </a:r>
-            <a:r>
-              <a:rPr lang="ko-KR" altLang="en-US" b="1" dirty="0"/>
-              <a:t>회라면 그 값이 음의 무한대인 문제를 개선하기 위해 최소값을 </a:t>
-            </a:r>
-            <a:r>
-              <a:rPr lang="en-US" altLang="ko-KR" b="1" dirty="0"/>
-              <a:t>0</a:t>
-            </a:r>
-            <a:r>
-              <a:rPr lang="ko-KR" altLang="en-US" b="1" dirty="0"/>
-              <a:t>으로 지정해주는 개선을 하였습니다</a:t>
-            </a:r>
-            <a:r>
-              <a:rPr lang="en-US" altLang="ko-KR" b="1" dirty="0"/>
-              <a:t>.</a:t>
-            </a:r>
-          </a:p>
-          <a:p>
-            <a:pPr marL="0" lvl="0" indent="0" algn="l" rtl="0">
-              <a:spcBef>
-                <a:spcPts val="0"/>
-              </a:spcBef>
-              <a:spcAft>
-                <a:spcPts val="0"/>
-              </a:spcAft>
-              <a:buNone/>
-            </a:pPr>
-            <a:endParaRPr lang="en-US" altLang="ko-KR" dirty="0"/>
-          </a:p>
-          <a:p>
-            <a:pPr marL="0" lvl="0" indent="0" algn="l" rtl="0">
-              <a:spcBef>
-                <a:spcPts val="0"/>
-              </a:spcBef>
-              <a:spcAft>
-                <a:spcPts val="0"/>
-              </a:spcAft>
-              <a:buNone/>
-            </a:pPr>
-            <a:r>
-              <a:rPr lang="ko-KR" altLang="en-US" dirty="0" err="1"/>
-              <a:t>단어간의</a:t>
-            </a:r>
-            <a:r>
-              <a:rPr lang="ko-KR" altLang="en-US" dirty="0"/>
-              <a:t> 우연한 등장 패턴도 고려함 </a:t>
-            </a:r>
-            <a:endParaRPr lang="en-US" altLang="ko-KR" dirty="0"/>
-          </a:p>
-          <a:p>
             <a:pPr marL="0" lvl="0" indent="0" algn="l" rtl="0">
               <a:spcBef>
                 <a:spcPts val="0"/>
@@ -7574,196 +4128,6 @@
           </a:bodyPr>
           <a:lstStyle/>
           <a:p>
-            <a:pPr marL="158750" indent="0">
-              <a:buNone/>
-            </a:pPr>
-            <a:r>
-              <a:rPr lang="ko-KR" altLang="en-US" b="1" dirty="0"/>
-              <a:t>통계 기반 기법의 다른 개선 사항으로는</a:t>
-            </a:r>
-            <a:r>
-              <a:rPr lang="en-US" altLang="ko-KR" b="1" dirty="0"/>
-              <a:t>, </a:t>
-            </a:r>
-            <a:r>
-              <a:rPr lang="ko-KR" altLang="en-US" b="1" dirty="0"/>
-              <a:t>차원 감소가 있습니다</a:t>
-            </a:r>
-            <a:r>
-              <a:rPr lang="en-US" altLang="ko-KR" b="1" dirty="0"/>
-              <a:t>.</a:t>
-            </a:r>
-          </a:p>
-          <a:p>
-            <a:pPr marL="158750" indent="0">
-              <a:buNone/>
-            </a:pPr>
-            <a:r>
-              <a:rPr lang="ko-KR" altLang="en-US" b="1" dirty="0"/>
-              <a:t>희소 벡터를 밀집 벡터로 변환하는 작업은 </a:t>
-            </a:r>
-            <a:r>
-              <a:rPr lang="ko-KR" altLang="en-US" b="1" dirty="0" err="1"/>
-              <a:t>원핫</a:t>
-            </a:r>
-            <a:r>
-              <a:rPr lang="ko-KR" altLang="en-US" b="1" dirty="0"/>
-              <a:t> 벡터</a:t>
-            </a:r>
-            <a:r>
-              <a:rPr lang="en-US" altLang="ko-KR" b="1" dirty="0"/>
-              <a:t>, </a:t>
-            </a:r>
-            <a:r>
-              <a:rPr lang="ko-KR" altLang="en-US" b="1" dirty="0"/>
-              <a:t>즉 대부분의 원소가 </a:t>
-            </a:r>
-            <a:r>
-              <a:rPr lang="en-US" altLang="ko-KR" b="1" dirty="0"/>
-              <a:t>0</a:t>
-            </a:r>
-            <a:r>
-              <a:rPr lang="ko-KR" altLang="en-US" b="1" dirty="0"/>
-              <a:t>인 벡터를 원소가 </a:t>
-            </a:r>
-            <a:r>
-              <a:rPr lang="ko-KR" altLang="en-US" b="1" dirty="0" err="1"/>
-              <a:t>실수값으로</a:t>
-            </a:r>
-            <a:r>
-              <a:rPr lang="ko-KR" altLang="en-US" b="1" dirty="0"/>
-              <a:t> 표현된 밀집 벡터로 변환하는 것이 있습니다</a:t>
-            </a:r>
-            <a:r>
-              <a:rPr lang="en-US" altLang="ko-KR" b="1" dirty="0"/>
-              <a:t>.</a:t>
-            </a:r>
-          </a:p>
-          <a:p>
-            <a:pPr marL="158750" indent="0">
-              <a:buNone/>
-            </a:pPr>
-            <a:r>
-              <a:rPr lang="ko-KR" altLang="en-US" b="1" dirty="0" err="1"/>
-              <a:t>특잇값</a:t>
-            </a:r>
-            <a:r>
-              <a:rPr lang="ko-KR" altLang="en-US" b="1" dirty="0"/>
-              <a:t> 분해는 행렬 </a:t>
-            </a:r>
-            <a:r>
-              <a:rPr lang="en-US" altLang="ko-KR" b="1" dirty="0"/>
-              <a:t>X</a:t>
-            </a:r>
-            <a:r>
-              <a:rPr lang="ko-KR" altLang="en-US" b="1" dirty="0"/>
-              <a:t>를 세 행렬의 곱으로 분해합니다</a:t>
-            </a:r>
-            <a:r>
-              <a:rPr lang="en-US" altLang="ko-KR" b="1" dirty="0"/>
-              <a:t>. </a:t>
-            </a:r>
-          </a:p>
-          <a:p>
-            <a:pPr marL="158750" indent="0">
-              <a:buNone/>
-            </a:pPr>
-            <a:r>
-              <a:rPr lang="ko-KR" altLang="en-US" b="1" dirty="0"/>
-              <a:t>행렬 </a:t>
-            </a:r>
-            <a:r>
-              <a:rPr lang="en-US" altLang="ko-KR" b="1" dirty="0"/>
-              <a:t>S</a:t>
-            </a:r>
-            <a:r>
-              <a:rPr lang="ko-KR" altLang="en-US" b="1" dirty="0"/>
-              <a:t>의 대각성분에는 </a:t>
-            </a:r>
-            <a:r>
-              <a:rPr lang="ko-KR" altLang="en-US" b="1" dirty="0" err="1"/>
-              <a:t>특잇값이</a:t>
-            </a:r>
-            <a:r>
-              <a:rPr lang="ko-KR" altLang="en-US" b="1" dirty="0"/>
-              <a:t> 큰 순서대로 나열되어 있습니다</a:t>
-            </a:r>
-            <a:r>
-              <a:rPr lang="en-US" altLang="ko-KR" b="1" dirty="0"/>
-              <a:t>. </a:t>
-            </a:r>
-          </a:p>
-          <a:p>
-            <a:pPr marL="158750" indent="0">
-              <a:buNone/>
-            </a:pPr>
-            <a:r>
-              <a:rPr lang="ko-KR" altLang="en-US" b="1" dirty="0"/>
-              <a:t>이 </a:t>
-            </a:r>
-            <a:r>
-              <a:rPr lang="ko-KR" altLang="en-US" b="1" dirty="0" err="1"/>
-              <a:t>특잇값</a:t>
-            </a:r>
-            <a:r>
-              <a:rPr lang="ko-KR" altLang="en-US" b="1" dirty="0"/>
-              <a:t> 중 작은 값을 무시하고</a:t>
-            </a:r>
-            <a:r>
-              <a:rPr lang="en-US" altLang="ko-KR" b="1" dirty="0"/>
-              <a:t>, </a:t>
-            </a:r>
-            <a:r>
-              <a:rPr lang="ko-KR" altLang="en-US" b="1" dirty="0"/>
-              <a:t>그에 대응되는 열을 행렬 </a:t>
-            </a:r>
-            <a:r>
-              <a:rPr lang="en-US" altLang="ko-KR" b="1" dirty="0"/>
-              <a:t>U</a:t>
-            </a:r>
-            <a:r>
-              <a:rPr lang="ko-KR" altLang="en-US" b="1" dirty="0"/>
-              <a:t>에서 제거하여 수행합니다</a:t>
-            </a:r>
-            <a:r>
-              <a:rPr lang="en-US" altLang="ko-KR" b="1" dirty="0"/>
-              <a:t>.</a:t>
-            </a:r>
-          </a:p>
-          <a:p>
-            <a:pPr marL="158750" indent="0">
-              <a:buNone/>
-            </a:pPr>
-            <a:r>
-              <a:rPr lang="en-US" altLang="ko-KR" b="1" dirty="0"/>
-              <a:t>Truncated SVD</a:t>
-            </a:r>
-            <a:r>
-              <a:rPr lang="ko-KR" altLang="en-US" b="1" dirty="0"/>
-              <a:t>는 미리 지정한 몇 개의 </a:t>
-            </a:r>
-            <a:r>
-              <a:rPr lang="ko-KR" altLang="en-US" b="1" dirty="0" err="1"/>
-              <a:t>특잇값만</a:t>
-            </a:r>
-            <a:r>
-              <a:rPr lang="ko-KR" altLang="en-US" b="1" dirty="0"/>
-              <a:t> 보존하여 </a:t>
-            </a:r>
-            <a:r>
-              <a:rPr lang="ko-KR" altLang="en-US" b="1" dirty="0" err="1"/>
-              <a:t>계산량을</a:t>
-            </a:r>
-            <a:r>
-              <a:rPr lang="ko-KR" altLang="en-US" b="1" dirty="0"/>
-              <a:t> 줄이는 방법입니다</a:t>
-            </a:r>
-            <a:r>
-              <a:rPr lang="en-US" altLang="ko-KR" b="1" dirty="0"/>
-              <a:t>.</a:t>
-            </a:r>
-          </a:p>
-          <a:p>
             <a:pPr marL="0" lvl="0" indent="0" algn="l" rtl="0">
               <a:spcBef>
                 <a:spcPts val="0"/>
@@ -7896,30 +4260,6 @@
               <a:cs typeface="Anaheim"/>
               <a:sym typeface="Anaheim"/>
             </a:endParaRPr>
-          </a:p>
-          <a:p>
-            <a:pPr marL="0" lvl="0" indent="0" algn="l" rtl="0">
-              <a:spcBef>
-                <a:spcPts val="0"/>
-              </a:spcBef>
-              <a:spcAft>
-                <a:spcPts val="0"/>
-              </a:spcAft>
-              <a:buNone/>
-            </a:pPr>
-            <a:r>
-              <a:rPr lang="en-US" altLang="ko-KR" b="1" dirty="0"/>
-              <a:t>3</a:t>
-            </a:r>
-            <a:r>
-              <a:rPr lang="ko-KR" altLang="en-US" b="1" dirty="0"/>
-              <a:t>챕터는 추론 기반 기법에 관한 챕터입니다</a:t>
-            </a:r>
-            <a:r>
-              <a:rPr lang="en-US" altLang="ko-KR" b="1" dirty="0"/>
-              <a:t>.</a:t>
-            </a:r>
-            <a:endParaRPr b="1" dirty="0"/>
           </a:p>
         </p:txBody>
       </p:sp>
@@ -26498,8 +22838,19 @@
                 <a:latin typeface="Noto Sans" panose="020B0502040504020204" pitchFamily="34" charset="0"/>
                 <a:cs typeface="Noto Sans" panose="020B0502040504020204" pitchFamily="34" charset="0"/>
               </a:rPr>
-              <a:t>통계 기반 기법 개선</a:t>
-            </a:r>
+              <a:t>통계 기반 기법 개선 </a:t>
+            </a:r>
+            <a:r>
+              <a:rPr lang="en-US" altLang="ko-KR" b="1" dirty="0">
+                <a:latin typeface="Noto Sans" panose="020B0502040504020204" pitchFamily="34" charset="0"/>
+                <a:cs typeface="Noto Sans" panose="020B0502040504020204" pitchFamily="34" charset="0"/>
+              </a:rPr>
+              <a:t>1</a:t>
+            </a:r>
+            <a:endParaRPr lang="ko-KR" altLang="en-US" b="1" dirty="0">
+              <a:latin typeface="Noto Sans" panose="020B0502040504020204" pitchFamily="34" charset="0"/>
+              <a:cs typeface="Noto Sans" panose="020B0502040504020204" pitchFamily="34" charset="0"/>
+            </a:endParaRPr>
           </a:p>
         </p:txBody>
       </p:sp>
@@ -27809,8 +24160,19 @@
                 <a:latin typeface="Noto Sans" panose="020B0502040504020204" pitchFamily="34" charset="0"/>
                 <a:cs typeface="Noto Sans" panose="020B0502040504020204" pitchFamily="34" charset="0"/>
               </a:rPr>
-              <a:t>통계 기반 기법 개선</a:t>
-            </a:r>
+              <a:t>통계 기반 기법 개선 </a:t>
+            </a:r>
+            <a:r>
+              <a:rPr lang="en-US" altLang="ko-KR" b="1" dirty="0">
+                <a:latin typeface="Noto Sans" panose="020B0502040504020204" pitchFamily="34" charset="0"/>
+                <a:cs typeface="Noto Sans" panose="020B0502040504020204" pitchFamily="34" charset="0"/>
+              </a:rPr>
+              <a:t>2</a:t>
+            </a:r>
+            <a:endParaRPr lang="ko-KR" altLang="en-US" b="1" dirty="0">
+              <a:latin typeface="Noto Sans" panose="020B0502040504020204" pitchFamily="34" charset="0"/>
+              <a:cs typeface="Noto Sans" panose="020B0502040504020204" pitchFamily="34" charset="0"/>
+            </a:endParaRPr>
           </a:p>
         </p:txBody>
       </p:sp>
